--- a/Präsentation.pptx
+++ b/Präsentation.pptx
@@ -5,10 +5,10 @@
     <p:sldMasterId id="2147483660" r:id="rId1"/>
   </p:sldMasterIdLst>
   <p:notesMasterIdLst>
-    <p:notesMasterId r:id="rId21"/>
+    <p:notesMasterId r:id="rId23"/>
   </p:notesMasterIdLst>
   <p:handoutMasterIdLst>
-    <p:handoutMasterId r:id="rId22"/>
+    <p:handoutMasterId r:id="rId24"/>
   </p:handoutMasterIdLst>
   <p:sldIdLst>
     <p:sldId id="257" r:id="rId2"/>
@@ -30,6 +30,8 @@
     <p:sldId id="284" r:id="rId18"/>
     <p:sldId id="289" r:id="rId19"/>
     <p:sldId id="261" r:id="rId20"/>
+    <p:sldId id="260" r:id="rId21"/>
+    <p:sldId id="302" r:id="rId22"/>
   </p:sldIdLst>
   <p:sldSz cx="9144000" cy="5143500" type="screen16x9"/>
   <p:notesSz cx="6858000" cy="9144000"/>
@@ -156,6 +158,15 @@
 </p188:authorLst>
 </file>
 
+<file path=ppt/revisionInfo.xml><?xml version="1.0" encoding="utf-8"?>
+<p1510:revInfo xmlns:a="http://schemas.openxmlformats.org/drawingml/2006/main" xmlns:r="http://schemas.openxmlformats.org/officeDocument/2006/relationships" xmlns:p1510="http://schemas.microsoft.com/office/powerpoint/2015/10/main">
+  <p1510:revLst>
+    <p1510:client id="{7A02C326-5095-47CD-8E57-51E4D806AE08}" v="648" dt="2023-03-23T10:39:21.319"/>
+    <p1510:client id="{7FB606D2-B7C3-4536-8F0C-9F015F70A3B8}" v="1685" dt="2023-03-23T12:26:55.161"/>
+  </p1510:revLst>
+</p1510:revInfo>
+</file>
+
 <file path=ppt/handoutMasters/handoutMaster1.xml><?xml version="1.0" encoding="utf-8"?>
 <p:handoutMaster xmlns:a="http://schemas.openxmlformats.org/drawingml/2006/main" xmlns:r="http://schemas.openxmlformats.org/officeDocument/2006/relationships" xmlns:p="http://schemas.openxmlformats.org/presentationml/2006/main">
   <p:cSld>
@@ -501,38 +512,38 @@
           <a:p>
             <a:pPr lvl="0"/>
             <a:r>
-              <a:rPr lang="de-DE" dirty="0"/>
+              <a:rPr lang="de-DE"/>
               <a:t>Textmasterformat bearbeiten</a:t>
             </a:r>
           </a:p>
           <a:p>
             <a:pPr lvl="1"/>
             <a:r>
-              <a:rPr lang="de-DE" dirty="0"/>
+              <a:rPr lang="de-DE"/>
               <a:t>Zweite Ebene</a:t>
             </a:r>
           </a:p>
           <a:p>
             <a:pPr lvl="2"/>
             <a:r>
-              <a:rPr lang="de-DE" dirty="0"/>
+              <a:rPr lang="de-DE"/>
               <a:t>Dritte Ebene</a:t>
             </a:r>
           </a:p>
           <a:p>
             <a:pPr lvl="3"/>
             <a:r>
-              <a:rPr lang="de-DE" dirty="0"/>
+              <a:rPr lang="de-DE"/>
               <a:t>Vierte Ebene</a:t>
             </a:r>
           </a:p>
           <a:p>
             <a:pPr lvl="4"/>
             <a:r>
-              <a:rPr lang="de-DE" dirty="0"/>
+              <a:rPr lang="de-DE"/>
               <a:t>Fünfte Ebene</a:t>
             </a:r>
-            <a:endParaRPr lang="en-US" dirty="0"/>
+            <a:endParaRPr lang="en-US"/>
           </a:p>
         </p:txBody>
       </p:sp>
@@ -567,7 +578,6 @@
               <a:rPr lang="en-US"/>
               <a:t>Universität Stuttgart</a:t>
             </a:r>
-            <a:endParaRPr lang="en-US" dirty="0"/>
           </a:p>
         </p:txBody>
       </p:sp>
@@ -603,7 +613,7 @@
               <a:pPr/>
               <a:t>‹Nr.›</a:t>
             </a:fld>
-            <a:endParaRPr lang="en-US" dirty="0"/>
+            <a:endParaRPr lang="en-US"/>
           </a:p>
         </p:txBody>
       </p:sp>
@@ -805,16 +815,16 @@
           <a:lstStyle/>
           <a:p>
             <a:r>
-              <a:rPr lang="en-US" dirty="0"/>
+              <a:rPr lang="en-US"/>
               <a:t>Airfoil self-noise refers to the collective sound generated by an airfoil in a smooth, non-turbulent inflow. </a:t>
             </a:r>
           </a:p>
           <a:p>
             <a:r>
-              <a:rPr lang="en-US" dirty="0"/>
+              <a:rPr lang="en-US"/>
               <a:t>caused by interactions between the airfoil blade and self-induced turbulence</a:t>
             </a:r>
-            <a:endParaRPr lang="en-SG" dirty="0"/>
+            <a:endParaRPr lang="en-SG"/>
           </a:p>
         </p:txBody>
       </p:sp>
@@ -882,7 +892,6 @@
               <a:rPr lang="en-US"/>
               <a:t>Universität Stuttgart</a:t>
             </a:r>
-            <a:endParaRPr lang="en-US" dirty="0"/>
           </a:p>
         </p:txBody>
       </p:sp>
@@ -906,7 +915,7 @@
               <a:pPr/>
               <a:t>1</a:t>
             </a:fld>
-            <a:endParaRPr lang="en-US" dirty="0"/>
+            <a:endParaRPr lang="en-US"/>
           </a:p>
         </p:txBody>
       </p:sp>
@@ -967,7 +976,7 @@
           <a:bodyPr/>
           <a:lstStyle/>
           <a:p>
-            <a:endParaRPr lang="de-DE" dirty="0"/>
+            <a:endParaRPr lang="de-DE"/>
           </a:p>
         </p:txBody>
       </p:sp>
@@ -1035,7 +1044,6 @@
               <a:rPr lang="en-US"/>
               <a:t>Universität Stuttgart</a:t>
             </a:r>
-            <a:endParaRPr lang="en-US" dirty="0"/>
           </a:p>
         </p:txBody>
       </p:sp>
@@ -1059,7 +1067,7 @@
               <a:pPr/>
               <a:t>17</a:t>
             </a:fld>
-            <a:endParaRPr lang="en-US" dirty="0"/>
+            <a:endParaRPr lang="en-US"/>
           </a:p>
         </p:txBody>
       </p:sp>
@@ -1752,17 +1760,17 @@
           <a:lstStyle/>
           <a:p>
             <a:r>
-              <a:rPr lang="en-US" b="0" i="0" dirty="0">
+              <a:rPr lang="en-US" b="0" i="0">
                 <a:effectLst/>
                 <a:latin typeface="Arial" panose="020B0604020202020204" pitchFamily="34" charset="0"/>
               </a:rPr>
               <a:t>oscillations decreased until epoch 15, but still remain at a high level in</a:t>
             </a:r>
             <a:br>
-              <a:rPr lang="en-US" dirty="0"/>
+              <a:rPr lang="en-US"/>
             </a:br>
             <a:r>
-              <a:rPr lang="en-US" b="0" i="0" dirty="0">
+              <a:rPr lang="en-US" b="0" i="0">
                 <a:effectLst/>
                 <a:latin typeface="Arial" panose="020B0604020202020204" pitchFamily="34" charset="0"/>
               </a:rPr>
@@ -1771,13 +1779,13 @@
           </a:p>
           <a:p>
             <a:r>
-              <a:rPr lang="en-US" b="0" i="0" dirty="0">
+              <a:rPr lang="en-US" b="0" i="0">
                 <a:effectLst/>
                 <a:latin typeface="Arial" panose="020B0604020202020204" pitchFamily="34" charset="0"/>
               </a:rPr>
               <a:t>The stronger oscillations might indicate a more sensitive model to changes of the weights.</a:t>
             </a:r>
-            <a:endParaRPr lang="en-SG" dirty="0"/>
+            <a:endParaRPr lang="en-SG"/>
           </a:p>
         </p:txBody>
       </p:sp>
@@ -1845,7 +1853,6 @@
               <a:rPr lang="en-US"/>
               <a:t>Universität Stuttgart</a:t>
             </a:r>
-            <a:endParaRPr lang="en-US" dirty="0"/>
           </a:p>
         </p:txBody>
       </p:sp>
@@ -1869,7 +1876,7 @@
               <a:pPr/>
               <a:t>6</a:t>
             </a:fld>
-            <a:endParaRPr lang="en-US" dirty="0"/>
+            <a:endParaRPr lang="en-US"/>
           </a:p>
         </p:txBody>
       </p:sp>
@@ -1930,7 +1937,7 @@
           <a:bodyPr/>
           <a:lstStyle/>
           <a:p>
-            <a:endParaRPr lang="en-SG" dirty="0"/>
+            <a:endParaRPr lang="en-SG"/>
           </a:p>
         </p:txBody>
       </p:sp>
@@ -1998,7 +2005,6 @@
               <a:rPr lang="en-US"/>
               <a:t>Universität Stuttgart</a:t>
             </a:r>
-            <a:endParaRPr lang="en-US" dirty="0"/>
           </a:p>
         </p:txBody>
       </p:sp>
@@ -2022,7 +2028,7 @@
               <a:pPr/>
               <a:t>10</a:t>
             </a:fld>
-            <a:endParaRPr lang="en-US" dirty="0"/>
+            <a:endParaRPr lang="en-US"/>
           </a:p>
         </p:txBody>
       </p:sp>
@@ -2084,48 +2090,48 @@
           <a:lstStyle/>
           <a:p>
             <a:r>
-              <a:rPr lang="de-DE" dirty="0"/>
+              <a:rPr lang="de-DE"/>
               <a:t>Intuitive </a:t>
             </a:r>
             <a:r>
-              <a:rPr lang="de-DE" dirty="0" err="1"/>
+              <a:rPr lang="de-DE" err="1"/>
               <a:t>approach</a:t>
             </a:r>
-            <a:endParaRPr lang="de-DE" dirty="0"/>
-          </a:p>
-          <a:p>
-            <a:r>
-              <a:rPr lang="de-DE" dirty="0" err="1"/>
+            <a:endParaRPr lang="de-DE"/>
+          </a:p>
+          <a:p>
+            <a:r>
+              <a:rPr lang="de-DE" err="1"/>
               <a:t>Qubits</a:t>
             </a:r>
             <a:r>
-              <a:rPr lang="de-DE" dirty="0"/>
+              <a:rPr lang="de-DE"/>
               <a:t> in </a:t>
             </a:r>
             <a:r>
-              <a:rPr lang="de-DE" dirty="0" err="1"/>
+              <a:rPr lang="de-DE" err="1"/>
               <a:t>trash</a:t>
             </a:r>
             <a:r>
-              <a:rPr lang="de-DE" dirty="0"/>
+              <a:rPr lang="de-DE"/>
               <a:t> </a:t>
             </a:r>
             <a:r>
-              <a:rPr lang="de-DE" dirty="0" err="1"/>
+              <a:rPr lang="de-DE" err="1"/>
               <a:t>space</a:t>
             </a:r>
             <a:r>
-              <a:rPr lang="de-DE" dirty="0"/>
+              <a:rPr lang="de-DE"/>
               <a:t> </a:t>
             </a:r>
             <a:r>
-              <a:rPr lang="de-DE" dirty="0" err="1"/>
+              <a:rPr lang="de-DE" err="1"/>
               <a:t>neglected</a:t>
             </a:r>
-            <a:endParaRPr lang="de-DE" dirty="0"/>
-          </a:p>
-          <a:p>
-            <a:endParaRPr lang="de-DE" dirty="0"/>
+            <a:endParaRPr lang="de-DE"/>
+          </a:p>
+          <a:p>
+            <a:endParaRPr lang="de-DE"/>
           </a:p>
         </p:txBody>
       </p:sp>
@@ -2193,7 +2199,6 @@
               <a:rPr lang="en-US"/>
               <a:t>Universität Stuttgart</a:t>
             </a:r>
-            <a:endParaRPr lang="en-US" dirty="0"/>
           </a:p>
         </p:txBody>
       </p:sp>
@@ -2217,7 +2222,7 @@
               <a:pPr/>
               <a:t>11</a:t>
             </a:fld>
-            <a:endParaRPr lang="en-US" dirty="0"/>
+            <a:endParaRPr lang="en-US"/>
           </a:p>
         </p:txBody>
       </p:sp>
@@ -2279,167 +2284,167 @@
           <a:lstStyle/>
           <a:p>
             <a:r>
-              <a:rPr lang="de-DE" dirty="0" err="1"/>
+              <a:rPr lang="de-DE" err="1"/>
               <a:t>What</a:t>
             </a:r>
             <a:r>
-              <a:rPr lang="de-DE" dirty="0"/>
+              <a:rPr lang="de-DE"/>
               <a:t> </a:t>
             </a:r>
             <a:r>
-              <a:rPr lang="de-DE" dirty="0" err="1"/>
+              <a:rPr lang="de-DE" err="1"/>
               <a:t>is</a:t>
             </a:r>
             <a:r>
-              <a:rPr lang="de-DE" dirty="0"/>
+              <a:rPr lang="de-DE"/>
               <a:t> </a:t>
             </a:r>
             <a:r>
-              <a:rPr lang="de-DE" dirty="0" err="1"/>
+              <a:rPr lang="de-DE" err="1"/>
               <a:t>where</a:t>
             </a:r>
-            <a:endParaRPr lang="de-DE" dirty="0"/>
-          </a:p>
-          <a:p>
-            <a:r>
-              <a:rPr lang="de-DE" dirty="0"/>
+            <a:endParaRPr lang="de-DE"/>
+          </a:p>
+          <a:p>
+            <a:r>
+              <a:rPr lang="de-DE"/>
               <a:t>Quan </a:t>
             </a:r>
             <a:r>
-              <a:rPr lang="de-DE" dirty="0" err="1"/>
+              <a:rPr lang="de-DE" err="1"/>
               <a:t>Autoenc</a:t>
             </a:r>
             <a:r>
-              <a:rPr lang="de-DE" dirty="0"/>
+              <a:rPr lang="de-DE"/>
               <a:t> </a:t>
             </a:r>
             <a:r>
-              <a:rPr lang="de-DE" dirty="0" err="1"/>
+              <a:rPr lang="de-DE" err="1"/>
               <a:t>is</a:t>
             </a:r>
             <a:r>
-              <a:rPr lang="de-DE" dirty="0"/>
+              <a:rPr lang="de-DE"/>
               <a:t> </a:t>
             </a:r>
             <a:r>
-              <a:rPr lang="de-DE" dirty="0" err="1"/>
+              <a:rPr lang="de-DE" err="1"/>
               <a:t>worse</a:t>
             </a:r>
             <a:r>
-              <a:rPr lang="de-DE" dirty="0"/>
+              <a:rPr lang="de-DE"/>
               <a:t> </a:t>
             </a:r>
             <a:r>
-              <a:rPr lang="de-DE" dirty="0" err="1"/>
+              <a:rPr lang="de-DE" err="1"/>
               <a:t>about</a:t>
             </a:r>
             <a:r>
-              <a:rPr lang="de-DE" dirty="0"/>
+              <a:rPr lang="de-DE"/>
               <a:t> 0.01, not a </a:t>
             </a:r>
             <a:r>
-              <a:rPr lang="de-DE" dirty="0" err="1"/>
+              <a:rPr lang="de-DE" err="1"/>
               <a:t>big</a:t>
             </a:r>
             <a:r>
-              <a:rPr lang="de-DE" dirty="0"/>
+              <a:rPr lang="de-DE"/>
               <a:t> </a:t>
             </a:r>
             <a:r>
-              <a:rPr lang="de-DE" dirty="0" err="1"/>
+              <a:rPr lang="de-DE" err="1"/>
               <a:t>difference</a:t>
             </a:r>
-            <a:endParaRPr lang="de-DE" dirty="0"/>
-          </a:p>
-          <a:p>
-            <a:r>
-              <a:rPr lang="de-DE" dirty="0" err="1"/>
+            <a:endParaRPr lang="de-DE"/>
+          </a:p>
+          <a:p>
+            <a:r>
+              <a:rPr lang="de-DE" err="1"/>
               <a:t>Classical</a:t>
             </a:r>
             <a:r>
-              <a:rPr lang="de-DE" dirty="0"/>
+              <a:rPr lang="de-DE"/>
               <a:t> </a:t>
             </a:r>
             <a:r>
-              <a:rPr lang="de-DE" dirty="0" err="1"/>
+              <a:rPr lang="de-DE" err="1"/>
               <a:t>autoencoder</a:t>
             </a:r>
             <a:r>
-              <a:rPr lang="de-DE" dirty="0"/>
+              <a:rPr lang="de-DE"/>
               <a:t> </a:t>
             </a:r>
             <a:r>
-              <a:rPr lang="de-DE" dirty="0" err="1"/>
+              <a:rPr lang="de-DE" err="1"/>
               <a:t>has</a:t>
             </a:r>
             <a:r>
-              <a:rPr lang="de-DE" dirty="0"/>
+              <a:rPr lang="de-DE"/>
               <a:t> </a:t>
             </a:r>
             <a:r>
-              <a:rPr lang="de-DE" dirty="0" err="1"/>
+              <a:rPr lang="de-DE" err="1"/>
               <a:t>the</a:t>
             </a:r>
             <a:r>
-              <a:rPr lang="de-DE" dirty="0"/>
+              <a:rPr lang="de-DE"/>
               <a:t> same </a:t>
             </a:r>
             <a:r>
-              <a:rPr lang="de-DE" dirty="0" err="1"/>
+              <a:rPr lang="de-DE" err="1"/>
               <a:t>structure</a:t>
             </a:r>
             <a:r>
-              <a:rPr lang="de-DE" dirty="0"/>
+              <a:rPr lang="de-DE"/>
               <a:t>, </a:t>
             </a:r>
             <a:r>
-              <a:rPr lang="de-DE" dirty="0" err="1"/>
+              <a:rPr lang="de-DE" err="1"/>
               <a:t>is</a:t>
             </a:r>
             <a:r>
-              <a:rPr lang="de-DE" dirty="0"/>
+              <a:rPr lang="de-DE"/>
               <a:t> </a:t>
             </a:r>
             <a:r>
-              <a:rPr lang="de-DE" dirty="0" err="1"/>
+              <a:rPr lang="de-DE" err="1"/>
               <a:t>comparable</a:t>
             </a:r>
-            <a:endParaRPr lang="de-DE" dirty="0"/>
-          </a:p>
-          <a:p>
-            <a:r>
-              <a:rPr lang="de-DE" dirty="0"/>
+            <a:endParaRPr lang="de-DE"/>
+          </a:p>
+          <a:p>
+            <a:r>
+              <a:rPr lang="de-DE"/>
               <a:t>Computational time enorme due </a:t>
             </a:r>
             <a:r>
-              <a:rPr lang="de-DE" dirty="0" err="1"/>
+              <a:rPr lang="de-DE" err="1"/>
               <a:t>to</a:t>
             </a:r>
             <a:r>
-              <a:rPr lang="de-DE" dirty="0"/>
+              <a:rPr lang="de-DE"/>
               <a:t> </a:t>
             </a:r>
             <a:r>
-              <a:rPr lang="de-DE" dirty="0" err="1"/>
+              <a:rPr lang="de-DE" err="1"/>
               <a:t>emulation</a:t>
             </a:r>
             <a:r>
-              <a:rPr lang="de-DE" dirty="0"/>
+              <a:rPr lang="de-DE"/>
               <a:t> </a:t>
             </a:r>
             <a:r>
-              <a:rPr lang="de-DE" dirty="0" err="1"/>
+              <a:rPr lang="de-DE" err="1"/>
               <a:t>of</a:t>
             </a:r>
             <a:r>
-              <a:rPr lang="de-DE" dirty="0"/>
+              <a:rPr lang="de-DE"/>
               <a:t> </a:t>
             </a:r>
             <a:r>
-              <a:rPr lang="de-DE" dirty="0" err="1"/>
+              <a:rPr lang="de-DE" err="1"/>
               <a:t>qubit</a:t>
             </a:r>
-            <a:endParaRPr lang="de-DE" dirty="0"/>
+            <a:endParaRPr lang="de-DE"/>
           </a:p>
         </p:txBody>
       </p:sp>
@@ -2507,7 +2512,6 @@
               <a:rPr lang="en-US"/>
               <a:t>Universität Stuttgart</a:t>
             </a:r>
-            <a:endParaRPr lang="en-US" dirty="0"/>
           </a:p>
         </p:txBody>
       </p:sp>
@@ -2531,7 +2535,7 @@
               <a:pPr/>
               <a:t>12</a:t>
             </a:fld>
-            <a:endParaRPr lang="en-US" dirty="0"/>
+            <a:endParaRPr lang="en-US"/>
           </a:p>
         </p:txBody>
       </p:sp>
@@ -2593,109 +2597,109 @@
           <a:lstStyle/>
           <a:p>
             <a:r>
-              <a:rPr lang="de-DE" dirty="0"/>
+              <a:rPr lang="de-DE"/>
               <a:t>2nd </a:t>
             </a:r>
             <a:r>
-              <a:rPr lang="de-DE" dirty="0" err="1"/>
+              <a:rPr lang="de-DE" err="1"/>
               <a:t>approach</a:t>
             </a:r>
             <a:r>
-              <a:rPr lang="de-DE" dirty="0"/>
+              <a:rPr lang="de-DE"/>
               <a:t>, </a:t>
             </a:r>
             <a:r>
-              <a:rPr lang="de-DE" dirty="0" err="1"/>
+              <a:rPr lang="de-DE" err="1"/>
               <a:t>quiskit</a:t>
             </a:r>
             <a:r>
-              <a:rPr lang="de-DE" dirty="0"/>
+              <a:rPr lang="de-DE"/>
               <a:t> </a:t>
             </a:r>
             <a:r>
-              <a:rPr lang="de-DE" dirty="0" err="1"/>
+              <a:rPr lang="de-DE" err="1"/>
               <a:t>doc</a:t>
             </a:r>
             <a:r>
-              <a:rPr lang="de-DE" dirty="0"/>
+              <a:rPr lang="de-DE"/>
               <a:t>.</a:t>
             </a:r>
           </a:p>
           <a:p>
             <a:r>
-              <a:rPr lang="de-DE" dirty="0"/>
+              <a:rPr lang="de-DE"/>
               <a:t>SWAP </a:t>
             </a:r>
             <a:r>
-              <a:rPr lang="de-DE" dirty="0" err="1"/>
+              <a:rPr lang="de-DE" err="1"/>
               <a:t>test</a:t>
             </a:r>
-            <a:endParaRPr lang="de-DE" dirty="0"/>
-          </a:p>
-          <a:p>
-            <a:r>
-              <a:rPr lang="de-DE" dirty="0"/>
+            <a:endParaRPr lang="de-DE"/>
+          </a:p>
+          <a:p>
+            <a:r>
+              <a:rPr lang="de-DE"/>
               <a:t>Reference </a:t>
             </a:r>
             <a:r>
-              <a:rPr lang="de-DE" dirty="0" err="1"/>
+              <a:rPr lang="de-DE" err="1"/>
               <a:t>qubits</a:t>
             </a:r>
             <a:r>
-              <a:rPr lang="de-DE" dirty="0"/>
+              <a:rPr lang="de-DE"/>
               <a:t>, </a:t>
             </a:r>
             <a:r>
-              <a:rPr lang="de-DE" dirty="0" err="1"/>
+              <a:rPr lang="de-DE" err="1"/>
               <a:t>auxiliary</a:t>
             </a:r>
             <a:r>
-              <a:rPr lang="de-DE" dirty="0"/>
+              <a:rPr lang="de-DE"/>
               <a:t> </a:t>
             </a:r>
             <a:r>
-              <a:rPr lang="de-DE" dirty="0" err="1"/>
+              <a:rPr lang="de-DE" err="1"/>
               <a:t>Qubit</a:t>
             </a:r>
-            <a:endParaRPr lang="de-DE" dirty="0"/>
-          </a:p>
-          <a:p>
-            <a:r>
-              <a:rPr lang="de-DE" dirty="0"/>
+            <a:endParaRPr lang="de-DE"/>
+          </a:p>
+          <a:p>
+            <a:r>
+              <a:rPr lang="de-DE"/>
               <a:t>Force </a:t>
             </a:r>
             <a:r>
-              <a:rPr lang="de-DE" dirty="0" err="1"/>
+              <a:rPr lang="de-DE" err="1"/>
               <a:t>to</a:t>
             </a:r>
             <a:r>
-              <a:rPr lang="de-DE" dirty="0"/>
+              <a:rPr lang="de-DE"/>
               <a:t> </a:t>
             </a:r>
             <a:r>
-              <a:rPr lang="de-DE" dirty="0" err="1"/>
+              <a:rPr lang="de-DE" err="1"/>
               <a:t>store</a:t>
             </a:r>
             <a:r>
-              <a:rPr lang="de-DE" dirty="0"/>
+              <a:rPr lang="de-DE"/>
               <a:t> all </a:t>
             </a:r>
             <a:r>
-              <a:rPr lang="de-DE" dirty="0" err="1"/>
+              <a:rPr lang="de-DE" err="1"/>
               <a:t>information</a:t>
             </a:r>
             <a:r>
-              <a:rPr lang="de-DE" dirty="0"/>
+              <a:rPr lang="de-DE"/>
               <a:t> in latent </a:t>
             </a:r>
             <a:r>
-              <a:rPr lang="de-DE" dirty="0" err="1"/>
+              <a:rPr lang="de-DE" err="1"/>
               <a:t>space</a:t>
             </a:r>
-            <a:endParaRPr lang="de-DE" dirty="0"/>
-          </a:p>
-          <a:p>
-            <a:endParaRPr lang="de-DE" dirty="0"/>
+            <a:endParaRPr lang="de-DE"/>
+          </a:p>
+          <a:p>
+            <a:endParaRPr lang="de-DE"/>
           </a:p>
         </p:txBody>
       </p:sp>
@@ -2763,7 +2767,6 @@
               <a:rPr lang="en-US"/>
               <a:t>Universität Stuttgart</a:t>
             </a:r>
-            <a:endParaRPr lang="en-US" dirty="0"/>
           </a:p>
         </p:txBody>
       </p:sp>
@@ -2787,7 +2790,7 @@
               <a:pPr/>
               <a:t>13</a:t>
             </a:fld>
-            <a:endParaRPr lang="en-US" dirty="0"/>
+            <a:endParaRPr lang="en-US"/>
           </a:p>
         </p:txBody>
       </p:sp>
@@ -2849,60 +2852,60 @@
           <a:lstStyle/>
           <a:p>
             <a:r>
-              <a:rPr lang="de-DE" dirty="0" err="1"/>
+              <a:rPr lang="de-DE" err="1"/>
               <a:t>Needing</a:t>
             </a:r>
             <a:r>
-              <a:rPr lang="de-DE" dirty="0"/>
+              <a:rPr lang="de-DE"/>
               <a:t> a </a:t>
             </a:r>
             <a:r>
-              <a:rPr lang="de-DE" dirty="0" err="1"/>
+              <a:rPr lang="de-DE" err="1"/>
               <a:t>decoder</a:t>
             </a:r>
-            <a:endParaRPr lang="de-DE" dirty="0"/>
-          </a:p>
-          <a:p>
-            <a:r>
-              <a:rPr lang="de-DE" dirty="0" err="1"/>
+            <a:endParaRPr lang="de-DE"/>
+          </a:p>
+          <a:p>
+            <a:r>
+              <a:rPr lang="de-DE" err="1"/>
               <a:t>No</a:t>
             </a:r>
             <a:r>
-              <a:rPr lang="de-DE" dirty="0"/>
+              <a:rPr lang="de-DE"/>
               <a:t> </a:t>
             </a:r>
             <a:r>
-              <a:rPr lang="de-DE" dirty="0" err="1"/>
+              <a:rPr lang="de-DE" err="1"/>
               <a:t>special</a:t>
             </a:r>
             <a:r>
-              <a:rPr lang="de-DE" dirty="0"/>
+              <a:rPr lang="de-DE"/>
               <a:t> </a:t>
             </a:r>
             <a:r>
-              <a:rPr lang="de-DE" dirty="0" err="1"/>
+              <a:rPr lang="de-DE" err="1"/>
               <a:t>stuff</a:t>
             </a:r>
             <a:r>
-              <a:rPr lang="de-DE" dirty="0"/>
+              <a:rPr lang="de-DE"/>
               <a:t>, </a:t>
             </a:r>
             <a:r>
-              <a:rPr lang="de-DE" dirty="0" err="1"/>
+              <a:rPr lang="de-DE" err="1"/>
               <a:t>result</a:t>
             </a:r>
             <a:r>
-              <a:rPr lang="de-DE" dirty="0"/>
+              <a:rPr lang="de-DE"/>
               <a:t> </a:t>
             </a:r>
             <a:r>
-              <a:rPr lang="de-DE" dirty="0" err="1"/>
+              <a:rPr lang="de-DE" err="1"/>
               <a:t>okayish</a:t>
             </a:r>
-            <a:endParaRPr lang="de-DE" dirty="0"/>
-          </a:p>
-          <a:p>
-            <a:endParaRPr lang="de-DE" dirty="0"/>
+            <a:endParaRPr lang="de-DE"/>
+          </a:p>
+          <a:p>
+            <a:endParaRPr lang="de-DE"/>
           </a:p>
         </p:txBody>
       </p:sp>
@@ -2970,7 +2973,6 @@
               <a:rPr lang="en-US"/>
               <a:t>Universität Stuttgart</a:t>
             </a:r>
-            <a:endParaRPr lang="en-US" dirty="0"/>
           </a:p>
         </p:txBody>
       </p:sp>
@@ -2994,7 +2996,7 @@
               <a:pPr/>
               <a:t>14</a:t>
             </a:fld>
-            <a:endParaRPr lang="en-US" dirty="0"/>
+            <a:endParaRPr lang="en-US"/>
           </a:p>
         </p:txBody>
       </p:sp>
@@ -3056,56 +3058,56 @@
           <a:lstStyle/>
           <a:p>
             <a:r>
-              <a:rPr lang="de-DE" dirty="0"/>
+              <a:rPr lang="de-DE"/>
               <a:t>Test </a:t>
             </a:r>
             <a:r>
-              <a:rPr lang="de-DE" dirty="0" err="1"/>
+              <a:rPr lang="de-DE" err="1"/>
               <a:t>the</a:t>
             </a:r>
             <a:r>
-              <a:rPr lang="de-DE" dirty="0"/>
+              <a:rPr lang="de-DE"/>
               <a:t> </a:t>
             </a:r>
             <a:r>
-              <a:rPr lang="de-DE" dirty="0" err="1"/>
+              <a:rPr lang="de-DE" err="1"/>
               <a:t>encodings</a:t>
             </a:r>
             <a:r>
-              <a:rPr lang="de-DE" dirty="0"/>
+              <a:rPr lang="de-DE"/>
               <a:t>, </a:t>
             </a:r>
             <a:r>
-              <a:rPr lang="de-DE" dirty="0" err="1"/>
+              <a:rPr lang="de-DE" err="1"/>
               <a:t>explain</a:t>
             </a:r>
             <a:r>
-              <a:rPr lang="de-DE" dirty="0"/>
+              <a:rPr lang="de-DE"/>
               <a:t> </a:t>
             </a:r>
             <a:r>
-              <a:rPr lang="de-DE" dirty="0" err="1"/>
+              <a:rPr lang="de-DE" err="1"/>
               <a:t>each</a:t>
             </a:r>
-            <a:endParaRPr lang="de-DE" dirty="0"/>
-          </a:p>
-          <a:p>
-            <a:r>
-              <a:rPr lang="de-DE" dirty="0" err="1"/>
+            <a:endParaRPr lang="de-DE"/>
+          </a:p>
+          <a:p>
+            <a:r>
+              <a:rPr lang="de-DE" err="1"/>
               <a:t>Give</a:t>
             </a:r>
             <a:r>
-              <a:rPr lang="de-DE" dirty="0"/>
+              <a:rPr lang="de-DE"/>
               <a:t> </a:t>
             </a:r>
             <a:r>
-              <a:rPr lang="de-DE" dirty="0" err="1"/>
+              <a:rPr lang="de-DE" err="1"/>
               <a:t>differences</a:t>
             </a:r>
-            <a:endParaRPr lang="de-DE" dirty="0"/>
-          </a:p>
-          <a:p>
-            <a:endParaRPr lang="de-DE" dirty="0"/>
+            <a:endParaRPr lang="de-DE"/>
+          </a:p>
+          <a:p>
+            <a:endParaRPr lang="de-DE"/>
           </a:p>
         </p:txBody>
       </p:sp>
@@ -3173,7 +3175,6 @@
               <a:rPr lang="en-US"/>
               <a:t>Universität Stuttgart</a:t>
             </a:r>
-            <a:endParaRPr lang="en-US" dirty="0"/>
           </a:p>
         </p:txBody>
       </p:sp>
@@ -3197,7 +3198,7 @@
               <a:pPr/>
               <a:t>16</a:t>
             </a:fld>
-            <a:endParaRPr lang="en-US" dirty="0"/>
+            <a:endParaRPr lang="en-US"/>
           </a:p>
         </p:txBody>
       </p:sp>
@@ -3297,7 +3298,7 @@
               <a:rPr lang="de-DE"/>
               <a:t>Bild durch Klicken auf Symbol hinzufügen</a:t>
             </a:r>
-            <a:endParaRPr lang="en-US" dirty="0"/>
+            <a:endParaRPr lang="en-US"/>
           </a:p>
         </p:txBody>
       </p:sp>
@@ -3345,26 +3346,26 @@
           <a:p>
             <a:pPr marL="0" lvl="0" indent="0"/>
             <a:r>
-              <a:rPr lang="de-DE" dirty="0"/>
+              <a:rPr lang="de-DE"/>
               <a:t>Student Project – Click </a:t>
             </a:r>
             <a:r>
-              <a:rPr lang="de-DE" dirty="0" err="1"/>
+              <a:rPr lang="de-DE" err="1"/>
               <a:t>to</a:t>
             </a:r>
             <a:r>
-              <a:rPr lang="de-DE" dirty="0"/>
+              <a:rPr lang="de-DE"/>
               <a:t> </a:t>
             </a:r>
             <a:r>
-              <a:rPr lang="de-DE" dirty="0" err="1"/>
+              <a:rPr lang="de-DE" err="1"/>
               <a:t>add</a:t>
             </a:r>
             <a:r>
-              <a:rPr lang="de-DE" dirty="0"/>
+              <a:rPr lang="de-DE"/>
               <a:t> title</a:t>
             </a:r>
-            <a:endParaRPr lang="en-GB" dirty="0"/>
+            <a:endParaRPr lang="en-GB"/>
           </a:p>
         </p:txBody>
       </p:sp>
@@ -3441,7 +3442,6 @@
               <a:rPr lang="de-DE"/>
               <a:t>Untertitel Text durch Klicken hinzufügen</a:t>
             </a:r>
-            <a:endParaRPr lang="de-DE" dirty="0"/>
           </a:p>
         </p:txBody>
       </p:sp>
@@ -3496,14 +3496,14 @@
           <a:p>
             <a:pPr lvl="0"/>
             <a:r>
-              <a:rPr lang="de-DE" dirty="0"/>
+              <a:rPr lang="de-DE"/>
               <a:t>Vorname </a:t>
             </a:r>
             <a:br>
-              <a:rPr lang="de-DE" dirty="0"/>
+              <a:rPr lang="de-DE"/>
             </a:br>
             <a:r>
-              <a:rPr lang="de-DE" dirty="0"/>
+              <a:rPr lang="de-DE"/>
               <a:t>Name</a:t>
             </a:r>
           </a:p>
@@ -3953,7 +3953,7 @@
           <a:lstStyle/>
           <a:p>
             <a:pPr algn="ctr"/>
-            <a:endParaRPr lang="de-DE" sz="1600" dirty="0"/>
+            <a:endParaRPr lang="de-DE" sz="1600"/>
           </a:p>
         </p:txBody>
       </p:sp>
@@ -4239,7 +4239,7 @@
           <a:bodyPr wrap="square" lIns="0" tIns="0" rIns="0" bIns="0" rtlCol="0"/>
           <a:lstStyle/>
           <a:p>
-            <a:endParaRPr lang="de-DE" sz="1404" dirty="0"/>
+            <a:endParaRPr lang="de-DE" sz="1404"/>
           </a:p>
         </p:txBody>
       </p:sp>
@@ -4340,7 +4340,7 @@
           <a:p>
             <a:pPr lvl="0"/>
             <a:r>
-              <a:rPr lang="de-DE" dirty="0"/>
+              <a:rPr lang="de-DE"/>
               <a:t>Zitat durch Klicken hinzufügen</a:t>
             </a:r>
           </a:p>
@@ -4380,7 +4380,7 @@
           <a:p>
             <a:pPr lvl="0"/>
             <a:r>
-              <a:rPr lang="de-DE" dirty="0"/>
+              <a:rPr lang="de-DE"/>
               <a:t>Name</a:t>
             </a:r>
           </a:p>
@@ -4414,7 +4414,7 @@
               <a:rPr lang="de-DE"/>
               <a:t>01/25/2022</a:t>
             </a:r>
-            <a:endParaRPr lang="en-US" dirty="0"/>
+            <a:endParaRPr lang="en-US"/>
           </a:p>
         </p:txBody>
       </p:sp>
@@ -4446,7 +4446,6 @@
               <a:rPr lang="en-US"/>
               <a:t>Name</a:t>
             </a:r>
-            <a:endParaRPr lang="en-US" dirty="0"/>
           </a:p>
         </p:txBody>
       </p:sp>
@@ -4479,7 +4478,7 @@
               <a:pPr/>
               <a:t>‹Nr.›</a:t>
             </a:fld>
-            <a:endParaRPr lang="en-US" dirty="0"/>
+            <a:endParaRPr lang="en-US"/>
           </a:p>
         </p:txBody>
       </p:sp>
@@ -4538,7 +4537,7 @@
               <a:rPr lang="de-DE"/>
               <a:t>Mastertitelformat bearbeiten</a:t>
             </a:r>
-            <a:endParaRPr lang="en-GB" dirty="0"/>
+            <a:endParaRPr lang="en-GB"/>
           </a:p>
         </p:txBody>
       </p:sp>
@@ -4575,7 +4574,7 @@
           <a:p>
             <a:pPr lvl="0"/>
             <a:r>
-              <a:rPr lang="de-DE" dirty="0"/>
+              <a:rPr lang="de-DE"/>
               <a:t>Untertitel durch Klicken bearbeiten</a:t>
             </a:r>
           </a:p>
@@ -4634,7 +4633,6 @@
               <a:rPr lang="de-DE"/>
               <a:t>Fünfte Ebene</a:t>
             </a:r>
-            <a:endParaRPr lang="de-DE" dirty="0"/>
           </a:p>
         </p:txBody>
       </p:sp>
@@ -4691,7 +4689,6 @@
               <a:rPr lang="de-DE"/>
               <a:t>Fünfte Ebene</a:t>
             </a:r>
-            <a:endParaRPr lang="de-DE" dirty="0"/>
           </a:p>
         </p:txBody>
       </p:sp>
@@ -4723,7 +4720,7 @@
               <a:rPr lang="de-DE"/>
               <a:t>01/25/2022</a:t>
             </a:r>
-            <a:endParaRPr lang="en-US" dirty="0"/>
+            <a:endParaRPr lang="en-US"/>
           </a:p>
         </p:txBody>
       </p:sp>
@@ -4755,7 +4752,6 @@
               <a:rPr lang="en-US"/>
               <a:t>Name</a:t>
             </a:r>
-            <a:endParaRPr lang="en-US" dirty="0"/>
           </a:p>
         </p:txBody>
       </p:sp>
@@ -4788,7 +4784,7 @@
               <a:pPr/>
               <a:t>‹Nr.›</a:t>
             </a:fld>
-            <a:endParaRPr lang="en-US" dirty="0"/>
+            <a:endParaRPr lang="en-US"/>
           </a:p>
         </p:txBody>
       </p:sp>
@@ -4884,7 +4880,7 @@
           <a:p>
             <a:pPr lvl="0"/>
             <a:r>
-              <a:rPr lang="de-DE" dirty="0"/>
+              <a:rPr lang="de-DE"/>
               <a:t>Untertitel durch Klicken bearbeiten</a:t>
             </a:r>
           </a:p>
@@ -5012,7 +5008,6 @@
               <a:rPr lang="de-DE"/>
               <a:t>Fünfte Ebene</a:t>
             </a:r>
-            <a:endParaRPr lang="de-DE" dirty="0"/>
           </a:p>
         </p:txBody>
       </p:sp>
@@ -5138,7 +5133,6 @@
               <a:rPr lang="de-DE"/>
               <a:t>Fünfte Ebene</a:t>
             </a:r>
-            <a:endParaRPr lang="de-DE" dirty="0"/>
           </a:p>
         </p:txBody>
       </p:sp>
@@ -5170,7 +5164,7 @@
               <a:rPr lang="de-DE"/>
               <a:t>01/25/2022</a:t>
             </a:r>
-            <a:endParaRPr lang="en-US" dirty="0"/>
+            <a:endParaRPr lang="en-US"/>
           </a:p>
         </p:txBody>
       </p:sp>
@@ -5202,7 +5196,6 @@
               <a:rPr lang="en-US"/>
               <a:t>Name</a:t>
             </a:r>
-            <a:endParaRPr lang="en-US" dirty="0"/>
           </a:p>
         </p:txBody>
       </p:sp>
@@ -5235,7 +5228,7 @@
               <a:pPr/>
               <a:t>‹Nr.›</a:t>
             </a:fld>
-            <a:endParaRPr lang="en-US" dirty="0"/>
+            <a:endParaRPr lang="en-US"/>
           </a:p>
         </p:txBody>
       </p:sp>
@@ -5294,7 +5287,7 @@
               <a:rPr lang="de-DE"/>
               <a:t>Mastertitelformat bearbeiten</a:t>
             </a:r>
-            <a:endParaRPr lang="en-GB" dirty="0"/>
+            <a:endParaRPr lang="en-GB"/>
           </a:p>
         </p:txBody>
       </p:sp>
@@ -5331,7 +5324,7 @@
           <a:p>
             <a:pPr lvl="0"/>
             <a:r>
-              <a:rPr lang="de-DE" dirty="0"/>
+              <a:rPr lang="de-DE"/>
               <a:t>Untertitel durch Klicken bearbeiten</a:t>
             </a:r>
           </a:p>
@@ -5390,7 +5383,6 @@
               <a:rPr lang="de-DE"/>
               <a:t>Fünfte Ebene</a:t>
             </a:r>
-            <a:endParaRPr lang="de-DE" dirty="0"/>
           </a:p>
         </p:txBody>
       </p:sp>
@@ -5423,7 +5415,7 @@
               <a:rPr lang="de-DE"/>
               <a:t>Bild durch Klicken auf Symbol hinzufügen</a:t>
             </a:r>
-            <a:endParaRPr lang="en-US" dirty="0"/>
+            <a:endParaRPr lang="en-US"/>
           </a:p>
         </p:txBody>
       </p:sp>
@@ -5456,7 +5448,7 @@
               <a:rPr lang="de-DE"/>
               <a:t>Bild durch Klicken auf Symbol hinzufügen</a:t>
             </a:r>
-            <a:endParaRPr lang="en-US" dirty="0"/>
+            <a:endParaRPr lang="en-US"/>
           </a:p>
         </p:txBody>
       </p:sp>
@@ -5488,7 +5480,7 @@
               <a:rPr lang="de-DE"/>
               <a:t>01/25/2022</a:t>
             </a:r>
-            <a:endParaRPr lang="en-US" dirty="0"/>
+            <a:endParaRPr lang="en-US"/>
           </a:p>
         </p:txBody>
       </p:sp>
@@ -5520,7 +5512,6 @@
               <a:rPr lang="en-US"/>
               <a:t>Name</a:t>
             </a:r>
-            <a:endParaRPr lang="en-US" dirty="0"/>
           </a:p>
         </p:txBody>
       </p:sp>
@@ -5553,7 +5544,7 @@
               <a:pPr/>
               <a:t>‹Nr.›</a:t>
             </a:fld>
-            <a:endParaRPr lang="en-US" dirty="0"/>
+            <a:endParaRPr lang="en-US"/>
           </a:p>
         </p:txBody>
       </p:sp>
@@ -5612,7 +5603,7 @@
               <a:rPr lang="de-DE"/>
               <a:t>Mastertitelformat bearbeiten</a:t>
             </a:r>
-            <a:endParaRPr lang="en-GB" dirty="0"/>
+            <a:endParaRPr lang="en-GB"/>
           </a:p>
         </p:txBody>
       </p:sp>
@@ -5649,7 +5640,7 @@
           <a:p>
             <a:pPr lvl="0"/>
             <a:r>
-              <a:rPr lang="de-DE" dirty="0"/>
+              <a:rPr lang="de-DE"/>
               <a:t>Untertitel durch Klicken bearbeiten</a:t>
             </a:r>
           </a:p>
@@ -5708,7 +5699,6 @@
               <a:rPr lang="de-DE"/>
               <a:t>Fünfte Ebene</a:t>
             </a:r>
-            <a:endParaRPr lang="de-DE" dirty="0"/>
           </a:p>
         </p:txBody>
       </p:sp>
@@ -5741,7 +5731,7 @@
               <a:rPr lang="de-DE"/>
               <a:t>Bild durch Klicken auf Symbol hinzufügen</a:t>
             </a:r>
-            <a:endParaRPr lang="en-US" dirty="0"/>
+            <a:endParaRPr lang="en-US"/>
           </a:p>
         </p:txBody>
       </p:sp>
@@ -5773,7 +5763,7 @@
               <a:rPr lang="de-DE"/>
               <a:t>01/25/2022</a:t>
             </a:r>
-            <a:endParaRPr lang="en-US" dirty="0"/>
+            <a:endParaRPr lang="en-US"/>
           </a:p>
         </p:txBody>
       </p:sp>
@@ -5805,7 +5795,6 @@
               <a:rPr lang="en-US"/>
               <a:t>Name</a:t>
             </a:r>
-            <a:endParaRPr lang="en-US" dirty="0"/>
           </a:p>
         </p:txBody>
       </p:sp>
@@ -5838,7 +5827,7 @@
               <a:pPr/>
               <a:t>‹Nr.›</a:t>
             </a:fld>
-            <a:endParaRPr lang="en-US" dirty="0"/>
+            <a:endParaRPr lang="en-US"/>
           </a:p>
         </p:txBody>
       </p:sp>
@@ -5897,7 +5886,7 @@
               <a:rPr lang="de-DE"/>
               <a:t>Mastertitelformat bearbeiten</a:t>
             </a:r>
-            <a:endParaRPr lang="en-GB" dirty="0"/>
+            <a:endParaRPr lang="en-GB"/>
           </a:p>
         </p:txBody>
       </p:sp>
@@ -5934,7 +5923,7 @@
           <a:p>
             <a:pPr lvl="0"/>
             <a:r>
-              <a:rPr lang="de-DE" dirty="0"/>
+              <a:rPr lang="de-DE"/>
               <a:t>Untertitel durch Klicken bearbeiten</a:t>
             </a:r>
           </a:p>
@@ -5969,7 +5958,7 @@
               <a:rPr lang="de-DE"/>
               <a:t>Bild durch Klicken auf Symbol hinzufügen</a:t>
             </a:r>
-            <a:endParaRPr lang="en-US" dirty="0"/>
+            <a:endParaRPr lang="en-US"/>
           </a:p>
         </p:txBody>
       </p:sp>
@@ -6002,7 +5991,7 @@
               <a:rPr lang="de-DE"/>
               <a:t>Bild durch Klicken auf Symbol hinzufügen</a:t>
             </a:r>
-            <a:endParaRPr lang="en-US" dirty="0"/>
+            <a:endParaRPr lang="en-US"/>
           </a:p>
         </p:txBody>
       </p:sp>
@@ -6035,7 +6024,7 @@
               <a:rPr lang="de-DE"/>
               <a:t>Bild durch Klicken auf Symbol hinzufügen</a:t>
             </a:r>
-            <a:endParaRPr lang="en-US" dirty="0"/>
+            <a:endParaRPr lang="en-US"/>
           </a:p>
         </p:txBody>
       </p:sp>
@@ -6068,7 +6057,7 @@
               <a:rPr lang="de-DE"/>
               <a:t>Bild durch Klicken auf Symbol hinzufügen</a:t>
             </a:r>
-            <a:endParaRPr lang="en-US" dirty="0"/>
+            <a:endParaRPr lang="en-US"/>
           </a:p>
         </p:txBody>
       </p:sp>
@@ -6101,7 +6090,7 @@
               <a:rPr lang="de-DE"/>
               <a:t>Bild durch Klicken auf Symbol hinzufügen</a:t>
             </a:r>
-            <a:endParaRPr lang="en-US" dirty="0"/>
+            <a:endParaRPr lang="en-US"/>
           </a:p>
         </p:txBody>
       </p:sp>
@@ -6160,7 +6149,7 @@
               <a:rPr lang="de-DE"/>
               <a:t>Mastertitelformat bearbeiten</a:t>
             </a:r>
-            <a:endParaRPr lang="en-GB" dirty="0"/>
+            <a:endParaRPr lang="en-GB"/>
           </a:p>
         </p:txBody>
       </p:sp>
@@ -6201,7 +6190,7 @@
               <a:rPr lang="de-DE"/>
               <a:t>Bild durch Klicken auf Symbol hinzufügen</a:t>
             </a:r>
-            <a:endParaRPr lang="en-US" dirty="0"/>
+            <a:endParaRPr lang="en-US"/>
           </a:p>
         </p:txBody>
       </p:sp>
@@ -6307,7 +6296,7 @@
               <a:rPr lang="de-DE"/>
               <a:t>Bild durch Klicken auf Symbol hinzufügen</a:t>
             </a:r>
-            <a:endParaRPr lang="en-US" dirty="0"/>
+            <a:endParaRPr lang="en-US"/>
           </a:p>
         </p:txBody>
       </p:sp>
@@ -6413,7 +6402,7 @@
               <a:rPr lang="de-DE"/>
               <a:t>Bild durch Klicken auf Symbol hinzufügen</a:t>
             </a:r>
-            <a:endParaRPr lang="en-US" dirty="0"/>
+            <a:endParaRPr lang="en-US"/>
           </a:p>
         </p:txBody>
       </p:sp>
@@ -6510,7 +6499,7 @@
               <a:rPr lang="de-DE"/>
               <a:t>01/25/2022</a:t>
             </a:r>
-            <a:endParaRPr lang="en-US" dirty="0"/>
+            <a:endParaRPr lang="en-US"/>
           </a:p>
         </p:txBody>
       </p:sp>
@@ -6542,7 +6531,6 @@
               <a:rPr lang="en-US"/>
               <a:t>Name</a:t>
             </a:r>
-            <a:endParaRPr lang="en-US" dirty="0"/>
           </a:p>
         </p:txBody>
       </p:sp>
@@ -6575,7 +6563,7 @@
               <a:pPr/>
               <a:t>‹Nr.›</a:t>
             </a:fld>
-            <a:endParaRPr lang="en-US" dirty="0"/>
+            <a:endParaRPr lang="en-US"/>
           </a:p>
         </p:txBody>
       </p:sp>
@@ -6634,7 +6622,7 @@
               <a:rPr lang="de-DE"/>
               <a:t>Mastertitelformat bearbeiten</a:t>
             </a:r>
-            <a:endParaRPr lang="en-GB" dirty="0"/>
+            <a:endParaRPr lang="en-GB"/>
           </a:p>
         </p:txBody>
       </p:sp>
@@ -6675,7 +6663,7 @@
               <a:rPr lang="de-DE"/>
               <a:t>Bild durch Klicken auf Symbol hinzufügen</a:t>
             </a:r>
-            <a:endParaRPr lang="en-US" dirty="0"/>
+            <a:endParaRPr lang="en-US"/>
           </a:p>
         </p:txBody>
       </p:sp>
@@ -6781,7 +6769,7 @@
               <a:rPr lang="de-DE"/>
               <a:t>Bild durch Klicken auf Symbol hinzufügen</a:t>
             </a:r>
-            <a:endParaRPr lang="en-US" dirty="0"/>
+            <a:endParaRPr lang="en-US"/>
           </a:p>
         </p:txBody>
       </p:sp>
@@ -6887,7 +6875,7 @@
               <a:rPr lang="de-DE"/>
               <a:t>Bild durch Klicken auf Symbol hinzufügen</a:t>
             </a:r>
-            <a:endParaRPr lang="en-US" dirty="0"/>
+            <a:endParaRPr lang="en-US"/>
           </a:p>
         </p:txBody>
       </p:sp>
@@ -6984,7 +6972,7 @@
               <a:rPr lang="de-DE"/>
               <a:t>01/25/2022</a:t>
             </a:r>
-            <a:endParaRPr lang="en-US" dirty="0"/>
+            <a:endParaRPr lang="en-US"/>
           </a:p>
         </p:txBody>
       </p:sp>
@@ -7016,7 +7004,6 @@
               <a:rPr lang="en-US"/>
               <a:t>Name</a:t>
             </a:r>
-            <a:endParaRPr lang="en-US" dirty="0"/>
           </a:p>
         </p:txBody>
       </p:sp>
@@ -7049,7 +7036,7 @@
               <a:pPr/>
               <a:t>‹Nr.›</a:t>
             </a:fld>
-            <a:endParaRPr lang="en-US" dirty="0"/>
+            <a:endParaRPr lang="en-US"/>
           </a:p>
         </p:txBody>
       </p:sp>
@@ -7108,7 +7095,7 @@
               <a:rPr lang="de-DE"/>
               <a:t>Mastertitelformat bearbeiten</a:t>
             </a:r>
-            <a:endParaRPr lang="en-GB" dirty="0"/>
+            <a:endParaRPr lang="en-GB"/>
           </a:p>
         </p:txBody>
       </p:sp>
@@ -7145,7 +7132,7 @@
           <a:p>
             <a:pPr lvl="0"/>
             <a:r>
-              <a:rPr lang="de-DE" dirty="0"/>
+              <a:rPr lang="de-DE"/>
               <a:t>Untertitel durch Klicken bearbeiten</a:t>
             </a:r>
           </a:p>
@@ -7199,7 +7186,7 @@
           <a:lstStyle/>
           <a:p>
             <a:pPr algn="ctr"/>
-            <a:endParaRPr lang="de-DE" sz="1404" dirty="0"/>
+            <a:endParaRPr lang="de-DE" sz="1404"/>
           </a:p>
         </p:txBody>
       </p:sp>
@@ -7246,7 +7233,7 @@
               <a:rPr lang="de-DE"/>
               <a:t>Bild durch Klicken auf Symbol hinzufügen</a:t>
             </a:r>
-            <a:endParaRPr lang="en-US" dirty="0"/>
+            <a:endParaRPr lang="en-US"/>
           </a:p>
         </p:txBody>
       </p:sp>
@@ -7309,7 +7296,7 @@
           <a:p>
             <a:pPr lvl="0"/>
             <a:r>
-              <a:rPr lang="de-DE" dirty="0"/>
+              <a:rPr lang="de-DE"/>
               <a:t>Name</a:t>
             </a:r>
           </a:p>
@@ -7377,7 +7364,7 @@
           <a:p>
             <a:pPr lvl="0"/>
             <a:r>
-              <a:rPr lang="de-DE" dirty="0"/>
+              <a:rPr lang="de-DE"/>
               <a:t>Institut und Professur</a:t>
             </a:r>
           </a:p>
@@ -7431,7 +7418,7 @@
           <a:lstStyle/>
           <a:p>
             <a:pPr algn="ctr"/>
-            <a:endParaRPr lang="de-DE" sz="1404" dirty="0"/>
+            <a:endParaRPr lang="de-DE" sz="1404"/>
           </a:p>
         </p:txBody>
       </p:sp>
@@ -7478,7 +7465,7 @@
               <a:rPr lang="de-DE"/>
               <a:t>Bild durch Klicken auf Symbol hinzufügen</a:t>
             </a:r>
-            <a:endParaRPr lang="en-US" dirty="0"/>
+            <a:endParaRPr lang="en-US"/>
           </a:p>
         </p:txBody>
       </p:sp>
@@ -7541,7 +7528,7 @@
           <a:p>
             <a:pPr lvl="0"/>
             <a:r>
-              <a:rPr lang="de-DE" dirty="0"/>
+              <a:rPr lang="de-DE"/>
               <a:t>Name</a:t>
             </a:r>
           </a:p>
@@ -7609,7 +7596,7 @@
           <a:p>
             <a:pPr lvl="0"/>
             <a:r>
-              <a:rPr lang="de-DE" dirty="0"/>
+              <a:rPr lang="de-DE"/>
               <a:t>Institut und Professur</a:t>
             </a:r>
           </a:p>
@@ -7643,7 +7630,7 @@
               <a:rPr lang="de-DE"/>
               <a:t>01/25/2022</a:t>
             </a:r>
-            <a:endParaRPr lang="en-US" dirty="0"/>
+            <a:endParaRPr lang="en-US"/>
           </a:p>
         </p:txBody>
       </p:sp>
@@ -7675,7 +7662,6 @@
               <a:rPr lang="en-US"/>
               <a:t>Name</a:t>
             </a:r>
-            <a:endParaRPr lang="en-US" dirty="0"/>
           </a:p>
         </p:txBody>
       </p:sp>
@@ -7708,7 +7694,7 @@
               <a:pPr/>
               <a:t>‹Nr.›</a:t>
             </a:fld>
-            <a:endParaRPr lang="en-US" dirty="0"/>
+            <a:endParaRPr lang="en-US"/>
           </a:p>
         </p:txBody>
       </p:sp>
@@ -7804,7 +7790,7 @@
           <a:p>
             <a:pPr lvl="0"/>
             <a:r>
-              <a:rPr lang="de-DE" dirty="0"/>
+              <a:rPr lang="de-DE"/>
               <a:t>Untertitel durch Klicken bearbeiten</a:t>
             </a:r>
           </a:p>
@@ -7858,7 +7844,7 @@
           <a:lstStyle/>
           <a:p>
             <a:pPr algn="ctr"/>
-            <a:endParaRPr lang="de-DE" sz="1404" dirty="0"/>
+            <a:endParaRPr lang="de-DE" sz="1404"/>
           </a:p>
         </p:txBody>
       </p:sp>
@@ -7908,7 +7894,7 @@
               <a:rPr lang="de-DE"/>
               <a:t>Bild durch Klicken auf Symbol hinzufügen</a:t>
             </a:r>
-            <a:endParaRPr lang="en-US" dirty="0"/>
+            <a:endParaRPr lang="en-US"/>
           </a:p>
         </p:txBody>
       </p:sp>
@@ -7971,7 +7957,7 @@
           <a:p>
             <a:pPr lvl="0"/>
             <a:r>
-              <a:rPr lang="de-DE" dirty="0"/>
+              <a:rPr lang="de-DE"/>
               <a:t>Name</a:t>
             </a:r>
           </a:p>
@@ -8039,7 +8025,7 @@
           <a:p>
             <a:pPr lvl="0"/>
             <a:r>
-              <a:rPr lang="de-DE" dirty="0"/>
+              <a:rPr lang="de-DE"/>
               <a:t>Institut und Professur</a:t>
             </a:r>
           </a:p>
@@ -8093,7 +8079,7 @@
           <a:lstStyle/>
           <a:p>
             <a:pPr algn="ctr"/>
-            <a:endParaRPr lang="de-DE" sz="1404" dirty="0"/>
+            <a:endParaRPr lang="de-DE" sz="1404"/>
           </a:p>
         </p:txBody>
       </p:sp>
@@ -8143,7 +8129,7 @@
               <a:rPr lang="de-DE"/>
               <a:t>Bild durch Klicken auf Symbol hinzufügen</a:t>
             </a:r>
-            <a:endParaRPr lang="en-US" dirty="0"/>
+            <a:endParaRPr lang="en-US"/>
           </a:p>
         </p:txBody>
       </p:sp>
@@ -8206,7 +8192,7 @@
           <a:p>
             <a:pPr lvl="0"/>
             <a:r>
-              <a:rPr lang="de-DE" dirty="0"/>
+              <a:rPr lang="de-DE"/>
               <a:t>Name</a:t>
             </a:r>
           </a:p>
@@ -8274,7 +8260,7 @@
           <a:p>
             <a:pPr lvl="0"/>
             <a:r>
-              <a:rPr lang="de-DE" dirty="0"/>
+              <a:rPr lang="de-DE"/>
               <a:t>Institut und Professur</a:t>
             </a:r>
           </a:p>
@@ -8328,7 +8314,7 @@
           <a:lstStyle/>
           <a:p>
             <a:pPr algn="ctr"/>
-            <a:endParaRPr lang="de-DE" sz="1404" dirty="0"/>
+            <a:endParaRPr lang="de-DE" sz="1404"/>
           </a:p>
         </p:txBody>
       </p:sp>
@@ -8378,7 +8364,7 @@
               <a:rPr lang="de-DE"/>
               <a:t>Bild durch Klicken auf Symbol hinzufügen</a:t>
             </a:r>
-            <a:endParaRPr lang="en-US" dirty="0"/>
+            <a:endParaRPr lang="en-US"/>
           </a:p>
         </p:txBody>
       </p:sp>
@@ -8441,7 +8427,7 @@
           <a:p>
             <a:pPr lvl="0"/>
             <a:r>
-              <a:rPr lang="de-DE" dirty="0"/>
+              <a:rPr lang="de-DE"/>
               <a:t>Name</a:t>
             </a:r>
           </a:p>
@@ -8509,7 +8495,7 @@
           <a:p>
             <a:pPr lvl="0"/>
             <a:r>
-              <a:rPr lang="de-DE" dirty="0"/>
+              <a:rPr lang="de-DE"/>
               <a:t>Institut und Professur</a:t>
             </a:r>
           </a:p>
@@ -8543,7 +8529,7 @@
               <a:rPr lang="de-DE"/>
               <a:t>01/25/2022</a:t>
             </a:r>
-            <a:endParaRPr lang="en-US" dirty="0"/>
+            <a:endParaRPr lang="en-US"/>
           </a:p>
         </p:txBody>
       </p:sp>
@@ -8575,7 +8561,6 @@
               <a:rPr lang="en-US"/>
               <a:t>Name</a:t>
             </a:r>
-            <a:endParaRPr lang="en-US" dirty="0"/>
           </a:p>
         </p:txBody>
       </p:sp>
@@ -8608,7 +8593,7 @@
               <a:pPr/>
               <a:t>‹Nr.›</a:t>
             </a:fld>
-            <a:endParaRPr lang="en-US" dirty="0"/>
+            <a:endParaRPr lang="en-US"/>
           </a:p>
         </p:txBody>
       </p:sp>
@@ -8676,7 +8661,7 @@
               <a:rPr lang="de-DE"/>
               <a:t>Bild durch Klicken auf Symbol hinzufügen</a:t>
             </a:r>
-            <a:endParaRPr lang="en-US" dirty="0"/>
+            <a:endParaRPr lang="en-US"/>
           </a:p>
         </p:txBody>
       </p:sp>
@@ -8724,26 +8709,26 @@
           <a:p>
             <a:pPr marL="0" lvl="0" indent="0"/>
             <a:r>
-              <a:rPr lang="de-DE" dirty="0"/>
+              <a:rPr lang="de-DE"/>
               <a:t>Student Project – Click </a:t>
             </a:r>
             <a:r>
-              <a:rPr lang="de-DE" dirty="0" err="1"/>
+              <a:rPr lang="de-DE" err="1"/>
               <a:t>to</a:t>
             </a:r>
             <a:r>
-              <a:rPr lang="de-DE" dirty="0"/>
+              <a:rPr lang="de-DE"/>
               <a:t> </a:t>
             </a:r>
             <a:r>
-              <a:rPr lang="de-DE" dirty="0" err="1"/>
+              <a:rPr lang="de-DE" err="1"/>
               <a:t>add</a:t>
             </a:r>
             <a:r>
-              <a:rPr lang="de-DE" dirty="0"/>
+              <a:rPr lang="de-DE"/>
               <a:t> title</a:t>
             </a:r>
-            <a:endParaRPr lang="en-GB" dirty="0"/>
+            <a:endParaRPr lang="en-GB"/>
           </a:p>
         </p:txBody>
       </p:sp>
@@ -8820,7 +8805,6 @@
               <a:rPr lang="de-DE"/>
               <a:t>Untertitel Text durch Klicken hinzufügen</a:t>
             </a:r>
-            <a:endParaRPr lang="de-DE" dirty="0"/>
           </a:p>
         </p:txBody>
       </p:sp>
@@ -8875,14 +8859,14 @@
           <a:p>
             <a:pPr lvl="0"/>
             <a:r>
-              <a:rPr lang="de-DE" dirty="0"/>
+              <a:rPr lang="de-DE"/>
               <a:t>Vorname </a:t>
             </a:r>
             <a:br>
-              <a:rPr lang="de-DE" dirty="0"/>
+              <a:rPr lang="de-DE"/>
             </a:br>
             <a:r>
-              <a:rPr lang="de-DE" dirty="0"/>
+              <a:rPr lang="de-DE"/>
               <a:t>Name</a:t>
             </a:r>
           </a:p>
@@ -9012,7 +8996,7 @@
           <a:p>
             <a:pPr lvl="0"/>
             <a:r>
-              <a:rPr lang="de-DE" dirty="0"/>
+              <a:rPr lang="de-DE"/>
               <a:t>Untertitel durch Klicken bearbeiten</a:t>
             </a:r>
           </a:p>
@@ -9066,7 +9050,7 @@
           <a:lstStyle/>
           <a:p>
             <a:pPr algn="ctr"/>
-            <a:endParaRPr lang="de-DE" sz="1404" dirty="0"/>
+            <a:endParaRPr lang="de-DE" sz="1404"/>
           </a:p>
         </p:txBody>
       </p:sp>
@@ -9116,7 +9100,7 @@
               <a:rPr lang="de-DE"/>
               <a:t>Bild durch Klicken auf Symbol hinzufügen</a:t>
             </a:r>
-            <a:endParaRPr lang="en-US" dirty="0"/>
+            <a:endParaRPr lang="en-US"/>
           </a:p>
         </p:txBody>
       </p:sp>
@@ -9179,7 +9163,7 @@
           <a:p>
             <a:pPr lvl="0"/>
             <a:r>
-              <a:rPr lang="de-DE" dirty="0"/>
+              <a:rPr lang="de-DE"/>
               <a:t>Name</a:t>
             </a:r>
           </a:p>
@@ -9247,7 +9231,7 @@
           <a:p>
             <a:pPr lvl="0"/>
             <a:r>
-              <a:rPr lang="de-DE" dirty="0"/>
+              <a:rPr lang="de-DE"/>
               <a:t>Institut und Professur</a:t>
             </a:r>
           </a:p>
@@ -9301,7 +9285,7 @@
           <a:lstStyle/>
           <a:p>
             <a:pPr algn="ctr"/>
-            <a:endParaRPr lang="de-DE" sz="1404" dirty="0"/>
+            <a:endParaRPr lang="de-DE" sz="1404"/>
           </a:p>
         </p:txBody>
       </p:sp>
@@ -9351,7 +9335,7 @@
               <a:rPr lang="de-DE"/>
               <a:t>Bild durch Klicken auf Symbol hinzufügen</a:t>
             </a:r>
-            <a:endParaRPr lang="en-US" dirty="0"/>
+            <a:endParaRPr lang="en-US"/>
           </a:p>
         </p:txBody>
       </p:sp>
@@ -9414,7 +9398,7 @@
           <a:p>
             <a:pPr lvl="0"/>
             <a:r>
-              <a:rPr lang="de-DE" dirty="0"/>
+              <a:rPr lang="de-DE"/>
               <a:t>Name</a:t>
             </a:r>
           </a:p>
@@ -9482,7 +9466,7 @@
           <a:p>
             <a:pPr lvl="0"/>
             <a:r>
-              <a:rPr lang="de-DE" dirty="0"/>
+              <a:rPr lang="de-DE"/>
               <a:t>Institut und Professur</a:t>
             </a:r>
           </a:p>
@@ -9536,7 +9520,7 @@
           <a:lstStyle/>
           <a:p>
             <a:pPr algn="ctr"/>
-            <a:endParaRPr lang="de-DE" sz="1404" dirty="0"/>
+            <a:endParaRPr lang="de-DE" sz="1404"/>
           </a:p>
         </p:txBody>
       </p:sp>
@@ -9586,7 +9570,7 @@
               <a:rPr lang="de-DE"/>
               <a:t>Bild durch Klicken auf Symbol hinzufügen</a:t>
             </a:r>
-            <a:endParaRPr lang="en-US" dirty="0"/>
+            <a:endParaRPr lang="en-US"/>
           </a:p>
         </p:txBody>
       </p:sp>
@@ -9649,7 +9633,7 @@
           <a:p>
             <a:pPr lvl="0"/>
             <a:r>
-              <a:rPr lang="de-DE" dirty="0"/>
+              <a:rPr lang="de-DE"/>
               <a:t>Name</a:t>
             </a:r>
           </a:p>
@@ -9717,7 +9701,7 @@
           <a:p>
             <a:pPr lvl="0"/>
             <a:r>
-              <a:rPr lang="de-DE" dirty="0"/>
+              <a:rPr lang="de-DE"/>
               <a:t>Institut und Professur</a:t>
             </a:r>
           </a:p>
@@ -9771,7 +9755,7 @@
           <a:lstStyle/>
           <a:p>
             <a:pPr algn="ctr"/>
-            <a:endParaRPr lang="de-DE" sz="1404" dirty="0"/>
+            <a:endParaRPr lang="de-DE" sz="1404"/>
           </a:p>
         </p:txBody>
       </p:sp>
@@ -9821,7 +9805,7 @@
               <a:rPr lang="de-DE"/>
               <a:t>Bild durch Klicken auf Symbol hinzufügen</a:t>
             </a:r>
-            <a:endParaRPr lang="en-US" dirty="0"/>
+            <a:endParaRPr lang="en-US"/>
           </a:p>
         </p:txBody>
       </p:sp>
@@ -9884,7 +9868,7 @@
           <a:p>
             <a:pPr lvl="0"/>
             <a:r>
-              <a:rPr lang="de-DE" dirty="0"/>
+              <a:rPr lang="de-DE"/>
               <a:t>Name</a:t>
             </a:r>
           </a:p>
@@ -9952,7 +9936,7 @@
           <a:p>
             <a:pPr lvl="0"/>
             <a:r>
-              <a:rPr lang="de-DE" dirty="0"/>
+              <a:rPr lang="de-DE"/>
               <a:t>Institut und Professur</a:t>
             </a:r>
           </a:p>
@@ -9986,7 +9970,7 @@
               <a:rPr lang="de-DE"/>
               <a:t>01/25/2022</a:t>
             </a:r>
-            <a:endParaRPr lang="en-US" dirty="0"/>
+            <a:endParaRPr lang="en-US"/>
           </a:p>
         </p:txBody>
       </p:sp>
@@ -10018,7 +10002,6 @@
               <a:rPr lang="en-US"/>
               <a:t>Name</a:t>
             </a:r>
-            <a:endParaRPr lang="en-US" dirty="0"/>
           </a:p>
         </p:txBody>
       </p:sp>
@@ -10051,7 +10034,7 @@
               <a:pPr/>
               <a:t>‹Nr.›</a:t>
             </a:fld>
-            <a:endParaRPr lang="en-US" dirty="0"/>
+            <a:endParaRPr lang="en-US"/>
           </a:p>
         </p:txBody>
       </p:sp>
@@ -10147,7 +10130,7 @@
           <a:p>
             <a:pPr lvl="0"/>
             <a:r>
-              <a:rPr lang="de-DE" dirty="0"/>
+              <a:rPr lang="de-DE"/>
               <a:t>Untertitel durch Klicken bearbeiten</a:t>
             </a:r>
           </a:p>
@@ -10181,7 +10164,7 @@
               <a:rPr lang="de-DE"/>
               <a:t>01/25/2022</a:t>
             </a:r>
-            <a:endParaRPr lang="en-US" dirty="0"/>
+            <a:endParaRPr lang="en-US"/>
           </a:p>
         </p:txBody>
       </p:sp>
@@ -10213,7 +10196,6 @@
               <a:rPr lang="en-US"/>
               <a:t>Name</a:t>
             </a:r>
-            <a:endParaRPr lang="en-US" dirty="0"/>
           </a:p>
         </p:txBody>
       </p:sp>
@@ -10246,7 +10228,7 @@
               <a:pPr/>
               <a:t>‹Nr.›</a:t>
             </a:fld>
-            <a:endParaRPr lang="en-US" dirty="0"/>
+            <a:endParaRPr lang="en-US"/>
           </a:p>
         </p:txBody>
       </p:sp>
@@ -10308,7 +10290,7 @@
               <a:rPr lang="de-DE"/>
               <a:t>01/25/2022</a:t>
             </a:r>
-            <a:endParaRPr lang="en-US" dirty="0"/>
+            <a:endParaRPr lang="en-US"/>
           </a:p>
         </p:txBody>
       </p:sp>
@@ -10340,7 +10322,6 @@
               <a:rPr lang="en-US"/>
               <a:t>Name</a:t>
             </a:r>
-            <a:endParaRPr lang="en-US" dirty="0"/>
           </a:p>
         </p:txBody>
       </p:sp>
@@ -10373,7 +10354,7 @@
               <a:pPr/>
               <a:t>‹Nr.›</a:t>
             </a:fld>
-            <a:endParaRPr lang="en-US" dirty="0"/>
+            <a:endParaRPr lang="en-US"/>
           </a:p>
         </p:txBody>
       </p:sp>
@@ -10566,7 +10547,7 @@
               </a:tabLst>
             </a:pPr>
             <a:r>
-              <a:rPr lang="de-DE" sz="2000" b="1" dirty="0" err="1">
+              <a:rPr lang="de-DE" sz="2000" b="1" err="1">
                 <a:solidFill>
                   <a:schemeClr val="tx1"/>
                 </a:solidFill>
@@ -10574,7 +10555,7 @@
               <a:t>Thank</a:t>
             </a:r>
             <a:r>
-              <a:rPr lang="de-DE" sz="2000" b="1" dirty="0">
+              <a:rPr lang="de-DE" sz="2000" b="1">
                 <a:solidFill>
                   <a:schemeClr val="tx1"/>
                 </a:solidFill>
@@ -10582,7 +10563,7 @@
               <a:t> </a:t>
             </a:r>
             <a:r>
-              <a:rPr lang="de-DE" sz="2000" b="1" dirty="0" err="1">
+              <a:rPr lang="de-DE" sz="2000" b="1" err="1">
                 <a:solidFill>
                   <a:schemeClr val="tx1"/>
                 </a:solidFill>
@@ -10590,7 +10571,7 @@
               <a:t>you</a:t>
             </a:r>
             <a:r>
-              <a:rPr lang="de-DE" sz="2000" b="1" dirty="0">
+              <a:rPr lang="de-DE" sz="2000" b="1">
                 <a:solidFill>
                   <a:schemeClr val="tx1"/>
                 </a:solidFill>
@@ -10643,7 +10624,7 @@
               <a:rPr lang="de-DE"/>
               <a:t>Bild durch Klicken auf Symbol hinzufügen</a:t>
             </a:r>
-            <a:endParaRPr lang="en-US" dirty="0"/>
+            <a:endParaRPr lang="en-US"/>
           </a:p>
         </p:txBody>
       </p:sp>
@@ -10706,7 +10687,7 @@
           <a:p>
             <a:pPr lvl="0"/>
             <a:r>
-              <a:rPr lang="de-DE" dirty="0"/>
+              <a:rPr lang="de-DE"/>
               <a:t>Name</a:t>
             </a:r>
           </a:p>
@@ -10805,10 +10786,10 @@
               <a:buNone/>
             </a:pPr>
             <a:r>
-              <a:rPr lang="de-DE" dirty="0" err="1"/>
+              <a:rPr lang="de-DE" err="1"/>
               <a:t>e-mail</a:t>
             </a:r>
-            <a:endParaRPr lang="de-DE" dirty="0"/>
+            <a:endParaRPr lang="de-DE"/>
           </a:p>
         </p:txBody>
       </p:sp>
@@ -10877,18 +10858,18 @@
           <a:p>
             <a:pPr lvl="0"/>
             <a:r>
-              <a:rPr lang="de-DE" dirty="0" err="1"/>
+              <a:rPr lang="de-DE" err="1"/>
               <a:t>enter</a:t>
             </a:r>
             <a:r>
-              <a:rPr lang="de-DE" dirty="0"/>
+              <a:rPr lang="de-DE"/>
               <a:t> </a:t>
             </a:r>
             <a:r>
-              <a:rPr lang="de-DE" dirty="0" err="1"/>
+              <a:rPr lang="de-DE" err="1"/>
               <a:t>address</a:t>
             </a:r>
-            <a:endParaRPr lang="de-DE" dirty="0"/>
+            <a:endParaRPr lang="de-DE"/>
           </a:p>
         </p:txBody>
       </p:sp>
@@ -10978,7 +10959,7 @@
               </a:tabLst>
             </a:pPr>
             <a:r>
-              <a:rPr lang="de-DE" dirty="0" err="1">
+              <a:rPr lang="de-DE" err="1">
                 <a:solidFill>
                   <a:schemeClr val="tx1"/>
                 </a:solidFill>
@@ -10986,7 +10967,7 @@
               <a:t>phone</a:t>
             </a:r>
             <a:r>
-              <a:rPr lang="de-DE" dirty="0">
+              <a:rPr lang="de-DE">
                 <a:solidFill>
                   <a:schemeClr val="tx1"/>
                 </a:solidFill>
@@ -11061,7 +11042,7 @@
           <a:p>
             <a:pPr lvl="0"/>
             <a:r>
-              <a:rPr lang="de-DE" dirty="0"/>
+              <a:rPr lang="de-DE"/>
               <a:t>###-##</a:t>
             </a:r>
           </a:p>
@@ -11132,7 +11113,7 @@
           <a:p>
             <a:pPr lvl="0"/>
             <a:r>
-              <a:rPr lang="de-DE" dirty="0"/>
+              <a:rPr lang="de-DE"/>
               <a:t>www.</a:t>
             </a:r>
           </a:p>
@@ -11203,18 +11184,18 @@
           <a:p>
             <a:pPr lvl="0"/>
             <a:r>
-              <a:rPr lang="de-DE" dirty="0" err="1"/>
+              <a:rPr lang="de-DE" err="1"/>
               <a:t>enter</a:t>
             </a:r>
             <a:r>
-              <a:rPr lang="de-DE" dirty="0"/>
+              <a:rPr lang="de-DE"/>
               <a:t> </a:t>
             </a:r>
             <a:r>
-              <a:rPr lang="de-DE" dirty="0" err="1"/>
+              <a:rPr lang="de-DE" err="1"/>
               <a:t>address</a:t>
             </a:r>
-            <a:endParaRPr lang="de-DE" dirty="0"/>
+            <a:endParaRPr lang="de-DE"/>
           </a:p>
         </p:txBody>
       </p:sp>
@@ -11301,15 +11282,15 @@
               </a:tabLst>
             </a:pPr>
             <a:r>
-              <a:rPr lang="de-DE" dirty="0"/>
+              <a:rPr lang="de-DE"/>
               <a:t>University </a:t>
             </a:r>
             <a:r>
-              <a:rPr lang="de-DE" dirty="0" err="1"/>
+              <a:rPr lang="de-DE" err="1"/>
               <a:t>of</a:t>
             </a:r>
             <a:r>
-              <a:rPr lang="de-DE" dirty="0"/>
+              <a:rPr lang="de-DE"/>
               <a:t> Stuttgart</a:t>
             </a:r>
           </a:p>
@@ -11380,30 +11361,30 @@
           <a:p>
             <a:pPr lvl="0"/>
             <a:r>
-              <a:rPr lang="de-DE" dirty="0"/>
+              <a:rPr lang="de-DE"/>
               <a:t>Department </a:t>
             </a:r>
             <a:r>
-              <a:rPr lang="de-DE" dirty="0" err="1"/>
+              <a:rPr lang="de-DE" err="1"/>
               <a:t>or</a:t>
             </a:r>
             <a:r>
-              <a:rPr lang="de-DE" dirty="0"/>
+              <a:rPr lang="de-DE"/>
               <a:t> </a:t>
             </a:r>
             <a:r>
-              <a:rPr lang="de-DE" dirty="0" err="1"/>
+              <a:rPr lang="de-DE" err="1"/>
               <a:t>institute</a:t>
             </a:r>
             <a:r>
-              <a:rPr lang="de-DE" dirty="0"/>
+              <a:rPr lang="de-DE"/>
               <a:t> </a:t>
             </a:r>
             <a:r>
-              <a:rPr lang="de-DE" dirty="0" err="1"/>
+              <a:rPr lang="de-DE" err="1"/>
               <a:t>name</a:t>
             </a:r>
-            <a:endParaRPr lang="de-DE" dirty="0"/>
+            <a:endParaRPr lang="de-DE"/>
           </a:p>
         </p:txBody>
       </p:sp>
@@ -11472,10 +11453,10 @@
           <a:p>
             <a:pPr lvl="0"/>
             <a:r>
-              <a:rPr lang="de-DE" dirty="0" err="1"/>
+              <a:rPr lang="de-DE" err="1"/>
               <a:t>Address</a:t>
             </a:r>
-            <a:endParaRPr lang="de-DE" dirty="0"/>
+            <a:endParaRPr lang="de-DE"/>
           </a:p>
         </p:txBody>
       </p:sp>
@@ -11714,7 +11695,7 @@
               </a:tabLst>
             </a:pPr>
             <a:r>
-              <a:rPr lang="de-DE" sz="2000" b="1" dirty="0" err="1">
+              <a:rPr lang="de-DE" sz="2000" b="1" err="1">
                 <a:solidFill>
                   <a:schemeClr val="bg1"/>
                 </a:solidFill>
@@ -11722,7 +11703,7 @@
               <a:t>Thank</a:t>
             </a:r>
             <a:r>
-              <a:rPr lang="de-DE" sz="2000" b="1" dirty="0">
+              <a:rPr lang="de-DE" sz="2000" b="1">
                 <a:solidFill>
                   <a:schemeClr val="bg1"/>
                 </a:solidFill>
@@ -11730,7 +11711,7 @@
               <a:t> </a:t>
             </a:r>
             <a:r>
-              <a:rPr lang="de-DE" sz="2000" b="1" dirty="0" err="1">
+              <a:rPr lang="de-DE" sz="2000" b="1" err="1">
                 <a:solidFill>
                   <a:schemeClr val="bg1"/>
                 </a:solidFill>
@@ -11738,7 +11719,7 @@
               <a:t>you</a:t>
             </a:r>
             <a:r>
-              <a:rPr lang="de-DE" sz="2000" b="1" dirty="0">
+              <a:rPr lang="de-DE" sz="2000" b="1">
                 <a:solidFill>
                   <a:schemeClr val="bg1"/>
                 </a:solidFill>
@@ -11789,7 +11770,7 @@
               <a:rPr lang="de-DE"/>
               <a:t>Bild durch Klicken auf Symbol hinzufügen</a:t>
             </a:r>
-            <a:endParaRPr lang="en-US" dirty="0"/>
+            <a:endParaRPr lang="en-US"/>
           </a:p>
         </p:txBody>
       </p:sp>
@@ -11852,7 +11833,7 @@
           <a:p>
             <a:pPr lvl="0"/>
             <a:r>
-              <a:rPr lang="de-DE" dirty="0"/>
+              <a:rPr lang="de-DE"/>
               <a:t>Name</a:t>
             </a:r>
           </a:p>
@@ -11951,10 +11932,10 @@
               <a:buNone/>
             </a:pPr>
             <a:r>
-              <a:rPr lang="de-DE" dirty="0" err="1"/>
+              <a:rPr lang="de-DE" err="1"/>
               <a:t>e-mail</a:t>
             </a:r>
-            <a:endParaRPr lang="de-DE" dirty="0"/>
+            <a:endParaRPr lang="de-DE"/>
           </a:p>
         </p:txBody>
       </p:sp>
@@ -12023,18 +12004,18 @@
           <a:p>
             <a:pPr lvl="0"/>
             <a:r>
-              <a:rPr lang="de-DE" dirty="0" err="1"/>
+              <a:rPr lang="de-DE" err="1"/>
               <a:t>enter</a:t>
             </a:r>
             <a:r>
-              <a:rPr lang="de-DE" dirty="0"/>
+              <a:rPr lang="de-DE"/>
               <a:t> </a:t>
             </a:r>
             <a:r>
-              <a:rPr lang="de-DE" dirty="0" err="1"/>
+              <a:rPr lang="de-DE" err="1"/>
               <a:t>address</a:t>
             </a:r>
-            <a:endParaRPr lang="de-DE" dirty="0"/>
+            <a:endParaRPr lang="de-DE"/>
           </a:p>
         </p:txBody>
       </p:sp>
@@ -12103,11 +12084,11 @@
           <a:p>
             <a:pPr lvl="0"/>
             <a:r>
-              <a:rPr lang="de-DE" dirty="0" err="1"/>
+              <a:rPr lang="de-DE" err="1"/>
               <a:t>phone</a:t>
             </a:r>
             <a:r>
-              <a:rPr lang="de-DE" dirty="0"/>
+              <a:rPr lang="de-DE"/>
               <a:t>	+49 (0) 711 685-</a:t>
             </a:r>
           </a:p>
@@ -12178,7 +12159,7 @@
           <a:p>
             <a:pPr lvl="0"/>
             <a:r>
-              <a:rPr lang="de-DE" dirty="0"/>
+              <a:rPr lang="de-DE"/>
               <a:t>###-##</a:t>
             </a:r>
           </a:p>
@@ -12249,7 +12230,7 @@
           <a:p>
             <a:pPr lvl="0"/>
             <a:r>
-              <a:rPr lang="de-DE" dirty="0"/>
+              <a:rPr lang="de-DE"/>
               <a:t>www.</a:t>
             </a:r>
           </a:p>
@@ -12320,18 +12301,18 @@
           <a:p>
             <a:pPr lvl="0"/>
             <a:r>
-              <a:rPr lang="de-DE" dirty="0" err="1"/>
+              <a:rPr lang="de-DE" err="1"/>
               <a:t>enter</a:t>
             </a:r>
             <a:r>
-              <a:rPr lang="de-DE" dirty="0"/>
+              <a:rPr lang="de-DE"/>
               <a:t> </a:t>
             </a:r>
             <a:r>
-              <a:rPr lang="de-DE" dirty="0" err="1"/>
+              <a:rPr lang="de-DE" err="1"/>
               <a:t>address</a:t>
             </a:r>
-            <a:endParaRPr lang="de-DE" dirty="0"/>
+            <a:endParaRPr lang="de-DE"/>
           </a:p>
         </p:txBody>
       </p:sp>
@@ -12418,15 +12399,15 @@
               </a:tabLst>
             </a:pPr>
             <a:r>
-              <a:rPr lang="de-DE" dirty="0"/>
+              <a:rPr lang="de-DE"/>
               <a:t>University </a:t>
             </a:r>
             <a:r>
-              <a:rPr lang="de-DE" dirty="0" err="1"/>
+              <a:rPr lang="de-DE" err="1"/>
               <a:t>of</a:t>
             </a:r>
             <a:r>
-              <a:rPr lang="de-DE" dirty="0"/>
+              <a:rPr lang="de-DE"/>
               <a:t> Stuttgart</a:t>
             </a:r>
           </a:p>
@@ -12497,30 +12478,30 @@
           <a:p>
             <a:pPr lvl="0"/>
             <a:r>
-              <a:rPr lang="de-DE" dirty="0"/>
+              <a:rPr lang="de-DE"/>
               <a:t>Department </a:t>
             </a:r>
             <a:r>
-              <a:rPr lang="de-DE" dirty="0" err="1"/>
+              <a:rPr lang="de-DE" err="1"/>
               <a:t>or</a:t>
             </a:r>
             <a:r>
-              <a:rPr lang="de-DE" dirty="0"/>
+              <a:rPr lang="de-DE"/>
               <a:t> </a:t>
             </a:r>
             <a:r>
-              <a:rPr lang="de-DE" dirty="0" err="1"/>
+              <a:rPr lang="de-DE" err="1"/>
               <a:t>institute</a:t>
             </a:r>
             <a:r>
-              <a:rPr lang="de-DE" dirty="0"/>
+              <a:rPr lang="de-DE"/>
               <a:t> </a:t>
             </a:r>
             <a:r>
-              <a:rPr lang="de-DE" dirty="0" err="1"/>
+              <a:rPr lang="de-DE" err="1"/>
               <a:t>name</a:t>
             </a:r>
-            <a:endParaRPr lang="de-DE" dirty="0"/>
+            <a:endParaRPr lang="de-DE"/>
           </a:p>
         </p:txBody>
       </p:sp>
@@ -12589,10 +12570,10 @@
           <a:p>
             <a:pPr lvl="0"/>
             <a:r>
-              <a:rPr lang="de-DE" dirty="0" err="1"/>
+              <a:rPr lang="de-DE" err="1"/>
               <a:t>Address</a:t>
             </a:r>
-            <a:endParaRPr lang="de-DE" dirty="0"/>
+            <a:endParaRPr lang="de-DE"/>
           </a:p>
         </p:txBody>
       </p:sp>
@@ -12704,7 +12685,7 @@
               <a:rPr lang="de-DE"/>
               <a:t>Bild durch Klicken auf Symbol hinzufügen</a:t>
             </a:r>
-            <a:endParaRPr lang="en-US" dirty="0"/>
+            <a:endParaRPr lang="en-US"/>
           </a:p>
         </p:txBody>
       </p:sp>
@@ -12755,26 +12736,26 @@
           <a:p>
             <a:pPr marL="0" lvl="0" indent="0"/>
             <a:r>
-              <a:rPr lang="de-DE" dirty="0"/>
+              <a:rPr lang="de-DE"/>
               <a:t>Student Project – Click </a:t>
             </a:r>
             <a:r>
-              <a:rPr lang="de-DE" dirty="0" err="1"/>
+              <a:rPr lang="de-DE" err="1"/>
               <a:t>to</a:t>
             </a:r>
             <a:r>
-              <a:rPr lang="de-DE" dirty="0"/>
+              <a:rPr lang="de-DE"/>
               <a:t> </a:t>
             </a:r>
             <a:r>
-              <a:rPr lang="de-DE" dirty="0" err="1"/>
+              <a:rPr lang="de-DE" err="1"/>
               <a:t>add</a:t>
             </a:r>
             <a:r>
-              <a:rPr lang="de-DE" dirty="0"/>
+              <a:rPr lang="de-DE"/>
               <a:t> title</a:t>
             </a:r>
-            <a:endParaRPr lang="en-GB" dirty="0"/>
+            <a:endParaRPr lang="en-GB"/>
           </a:p>
         </p:txBody>
       </p:sp>
@@ -12854,7 +12835,6 @@
               <a:rPr lang="de-DE"/>
               <a:t>Untertitel Text durch Klicken hinzufügen</a:t>
             </a:r>
-            <a:endParaRPr lang="de-DE" dirty="0"/>
           </a:p>
         </p:txBody>
       </p:sp>
@@ -12909,14 +12889,14 @@
           <a:p>
             <a:pPr lvl="0"/>
             <a:r>
-              <a:rPr lang="de-DE" dirty="0"/>
+              <a:rPr lang="de-DE"/>
               <a:t>Vorname </a:t>
             </a:r>
             <a:br>
-              <a:rPr lang="de-DE" dirty="0"/>
+              <a:rPr lang="de-DE"/>
             </a:br>
             <a:r>
-              <a:rPr lang="de-DE" dirty="0"/>
+              <a:rPr lang="de-DE"/>
               <a:t>Name</a:t>
             </a:r>
           </a:p>
@@ -13018,7 +12998,7 @@
               <a:rPr lang="de-DE"/>
               <a:t>Bild durch Klicken auf Symbol hinzufügen</a:t>
             </a:r>
-            <a:endParaRPr lang="en-US" dirty="0"/>
+            <a:endParaRPr lang="en-US"/>
           </a:p>
         </p:txBody>
       </p:sp>
@@ -13066,26 +13046,26 @@
           <a:p>
             <a:pPr marL="0" lvl="0" indent="0"/>
             <a:r>
-              <a:rPr lang="de-DE" dirty="0"/>
+              <a:rPr lang="de-DE"/>
               <a:t>Student Project – Click </a:t>
             </a:r>
             <a:r>
-              <a:rPr lang="de-DE" dirty="0" err="1"/>
+              <a:rPr lang="de-DE" err="1"/>
               <a:t>to</a:t>
             </a:r>
             <a:r>
-              <a:rPr lang="de-DE" dirty="0"/>
+              <a:rPr lang="de-DE"/>
               <a:t> </a:t>
             </a:r>
             <a:r>
-              <a:rPr lang="de-DE" dirty="0" err="1"/>
+              <a:rPr lang="de-DE" err="1"/>
               <a:t>add</a:t>
             </a:r>
             <a:r>
-              <a:rPr lang="de-DE" dirty="0"/>
+              <a:rPr lang="de-DE"/>
               <a:t> title</a:t>
             </a:r>
-            <a:endParaRPr lang="en-GB" dirty="0"/>
+            <a:endParaRPr lang="en-GB"/>
           </a:p>
         </p:txBody>
       </p:sp>
@@ -13162,7 +13142,6 @@
               <a:rPr lang="de-DE"/>
               <a:t>Untertitel Text durch Klicken hinzufügen</a:t>
             </a:r>
-            <a:endParaRPr lang="de-DE" dirty="0"/>
           </a:p>
         </p:txBody>
       </p:sp>
@@ -13205,11 +13184,11 @@
           </a:lstStyle>
           <a:p>
             <a:r>
-              <a:rPr lang="de-DE" dirty="0" err="1"/>
+              <a:rPr lang="de-DE" err="1"/>
               <a:t>Sublogo</a:t>
             </a:r>
             <a:r>
-              <a:rPr lang="de-DE" dirty="0"/>
+              <a:rPr lang="de-DE"/>
               <a:t> einfügen</a:t>
             </a:r>
           </a:p>
@@ -13311,7 +13290,7 @@
               <a:rPr lang="de-DE"/>
               <a:t>Bild durch Klicken auf Symbol hinzufügen</a:t>
             </a:r>
-            <a:endParaRPr lang="en-US" dirty="0"/>
+            <a:endParaRPr lang="en-US"/>
           </a:p>
         </p:txBody>
       </p:sp>
@@ -13359,26 +13338,26 @@
           <a:p>
             <a:pPr marL="0" lvl="0" indent="0"/>
             <a:r>
-              <a:rPr lang="de-DE" dirty="0"/>
+              <a:rPr lang="de-DE"/>
               <a:t>Student Project – Click </a:t>
             </a:r>
             <a:r>
-              <a:rPr lang="de-DE" dirty="0" err="1"/>
+              <a:rPr lang="de-DE" err="1"/>
               <a:t>to</a:t>
             </a:r>
             <a:r>
-              <a:rPr lang="de-DE" dirty="0"/>
+              <a:rPr lang="de-DE"/>
               <a:t> </a:t>
             </a:r>
             <a:r>
-              <a:rPr lang="de-DE" dirty="0" err="1"/>
+              <a:rPr lang="de-DE" err="1"/>
               <a:t>add</a:t>
             </a:r>
             <a:r>
-              <a:rPr lang="de-DE" dirty="0"/>
+              <a:rPr lang="de-DE"/>
               <a:t> title</a:t>
             </a:r>
-            <a:endParaRPr lang="en-GB" dirty="0"/>
+            <a:endParaRPr lang="en-GB"/>
           </a:p>
         </p:txBody>
       </p:sp>
@@ -13461,7 +13440,6 @@
               <a:rPr lang="de-DE"/>
               <a:t>Untertitel Text durch Klicken hinzufügen</a:t>
             </a:r>
-            <a:endParaRPr lang="de-DE" dirty="0"/>
           </a:p>
         </p:txBody>
       </p:sp>
@@ -13498,11 +13476,11 @@
           </a:lstStyle>
           <a:p>
             <a:r>
-              <a:rPr lang="de-DE" dirty="0" err="1"/>
+              <a:rPr lang="de-DE" err="1"/>
               <a:t>Sublogo</a:t>
             </a:r>
             <a:r>
-              <a:rPr lang="de-DE" dirty="0"/>
+              <a:rPr lang="de-DE"/>
               <a:t> einfügen</a:t>
             </a:r>
           </a:p>
@@ -13595,7 +13573,7 @@
               <a:rPr lang="de-DE"/>
               <a:t>Mastertitelformat bearbeiten</a:t>
             </a:r>
-            <a:endParaRPr lang="en-GB" dirty="0"/>
+            <a:endParaRPr lang="en-GB"/>
           </a:p>
         </p:txBody>
       </p:sp>
@@ -13632,7 +13610,7 @@
           <a:p>
             <a:pPr lvl="0"/>
             <a:r>
-              <a:rPr lang="de-DE" dirty="0"/>
+              <a:rPr lang="de-DE"/>
               <a:t>Untertitel durch Klicken bearbeiten</a:t>
             </a:r>
           </a:p>
@@ -13686,7 +13664,6 @@
               <a:rPr lang="de-DE"/>
               <a:t>Fünfte Ebene</a:t>
             </a:r>
-            <a:endParaRPr lang="de-DE" dirty="0"/>
           </a:p>
         </p:txBody>
       </p:sp>
@@ -13718,7 +13695,7 @@
               <a:rPr lang="de-DE"/>
               <a:t>01/25/2022</a:t>
             </a:r>
-            <a:endParaRPr lang="en-US" dirty="0"/>
+            <a:endParaRPr lang="en-US"/>
           </a:p>
         </p:txBody>
       </p:sp>
@@ -13750,7 +13727,6 @@
               <a:rPr lang="en-US"/>
               <a:t>Name</a:t>
             </a:r>
-            <a:endParaRPr lang="en-US" dirty="0"/>
           </a:p>
         </p:txBody>
       </p:sp>
@@ -13783,7 +13759,7 @@
               <a:pPr/>
               <a:t>‹Nr.›</a:t>
             </a:fld>
-            <a:endParaRPr lang="en-US" dirty="0"/>
+            <a:endParaRPr lang="en-US"/>
           </a:p>
         </p:txBody>
       </p:sp>
@@ -13842,7 +13818,7 @@
               <a:rPr lang="de-DE"/>
               <a:t>Mastertitelformat bearbeiten</a:t>
             </a:r>
-            <a:endParaRPr lang="en-GB" dirty="0"/>
+            <a:endParaRPr lang="en-GB"/>
           </a:p>
         </p:txBody>
       </p:sp>
@@ -13879,7 +13855,7 @@
           <a:p>
             <a:pPr lvl="0"/>
             <a:r>
-              <a:rPr lang="de-DE" dirty="0"/>
+              <a:rPr lang="de-DE"/>
               <a:t>Untertitel durch Klicken bearbeiten</a:t>
             </a:r>
           </a:p>
@@ -13938,7 +13914,6 @@
               <a:rPr lang="de-DE"/>
               <a:t>Fünfte Ebene</a:t>
             </a:r>
-            <a:endParaRPr lang="de-DE" dirty="0"/>
           </a:p>
         </p:txBody>
       </p:sp>
@@ -13970,7 +13945,7 @@
               <a:rPr lang="de-DE"/>
               <a:t>01/25/2022</a:t>
             </a:r>
-            <a:endParaRPr lang="en-US" dirty="0"/>
+            <a:endParaRPr lang="en-US"/>
           </a:p>
         </p:txBody>
       </p:sp>
@@ -14002,7 +13977,6 @@
               <a:rPr lang="en-US"/>
               <a:t>Name</a:t>
             </a:r>
-            <a:endParaRPr lang="en-US" dirty="0"/>
           </a:p>
         </p:txBody>
       </p:sp>
@@ -14035,7 +14009,7 @@
               <a:pPr/>
               <a:t>‹Nr.›</a:t>
             </a:fld>
-            <a:endParaRPr lang="en-US" dirty="0"/>
+            <a:endParaRPr lang="en-US"/>
           </a:p>
         </p:txBody>
       </p:sp>
@@ -14497,7 +14471,7 @@
           <a:lstStyle/>
           <a:p>
             <a:pPr algn="ctr"/>
-            <a:endParaRPr lang="de-DE" sz="1600" dirty="0"/>
+            <a:endParaRPr lang="de-DE" sz="1600"/>
           </a:p>
         </p:txBody>
       </p:sp>
@@ -14614,7 +14588,7 @@
           <a:p>
             <a:pPr lvl="0"/>
             <a:r>
-              <a:rPr lang="de-DE" dirty="0"/>
+              <a:rPr lang="de-DE"/>
               <a:t>Kapitel</a:t>
             </a:r>
           </a:p>
@@ -14651,7 +14625,6 @@
               <a:rPr lang="de-DE"/>
               <a:t>Mastertitelformat bearbeiten</a:t>
             </a:r>
-            <a:endParaRPr lang="de-DE" dirty="0"/>
           </a:p>
         </p:txBody>
       </p:sp>
@@ -14806,7 +14779,7 @@
           <a:p>
             <a:pPr lvl="0"/>
             <a:r>
-              <a:rPr lang="de-DE" dirty="0"/>
+              <a:rPr lang="de-DE"/>
               <a:t>Unterkapitel</a:t>
             </a:r>
           </a:p>
@@ -14847,7 +14820,6 @@
               <a:rPr lang="de-DE"/>
               <a:t>Mastertitelformat bearbeiten</a:t>
             </a:r>
-            <a:endParaRPr lang="de-DE" dirty="0"/>
           </a:p>
         </p:txBody>
       </p:sp>
@@ -14912,7 +14884,7 @@
           <a:lstStyle/>
           <a:p>
             <a:r>
-              <a:rPr lang="de-DE" dirty="0"/>
+              <a:rPr lang="de-DE"/>
               <a:t>Titelmasterformat durch Klicken bearbeiten</a:t>
             </a:r>
           </a:p>
@@ -14945,38 +14917,38 @@
           <a:p>
             <a:pPr lvl="0"/>
             <a:r>
-              <a:rPr lang="de-DE" dirty="0"/>
+              <a:rPr lang="de-DE"/>
               <a:t>Textmasterformat bearbeiten</a:t>
             </a:r>
           </a:p>
           <a:p>
             <a:pPr lvl="1"/>
             <a:r>
-              <a:rPr lang="de-DE" dirty="0"/>
+              <a:rPr lang="de-DE"/>
               <a:t>Zweite Ebene</a:t>
             </a:r>
           </a:p>
           <a:p>
             <a:pPr lvl="2"/>
             <a:r>
-              <a:rPr lang="de-DE" dirty="0"/>
+              <a:rPr lang="de-DE"/>
               <a:t>Dritte Ebene</a:t>
             </a:r>
           </a:p>
           <a:p>
             <a:pPr lvl="3"/>
             <a:r>
-              <a:rPr lang="de-DE" dirty="0"/>
+              <a:rPr lang="de-DE"/>
               <a:t>Vierte Ebene</a:t>
             </a:r>
           </a:p>
           <a:p>
             <a:pPr lvl="4"/>
             <a:r>
-              <a:rPr lang="de-DE" dirty="0"/>
+              <a:rPr lang="de-DE"/>
               <a:t>Fünfte Ebene</a:t>
             </a:r>
-            <a:endParaRPr lang="en-US" dirty="0"/>
+            <a:endParaRPr lang="en-US"/>
           </a:p>
         </p:txBody>
       </p:sp>
@@ -15023,7 +14995,6 @@
               <a:rPr lang="en-US"/>
               <a:t>Name</a:t>
             </a:r>
-            <a:endParaRPr lang="en-US" dirty="0"/>
           </a:p>
         </p:txBody>
       </p:sp>
@@ -15066,7 +15037,7 @@
               <a:rPr lang="de-DE"/>
               <a:t>01/25/2022</a:t>
             </a:r>
-            <a:endParaRPr lang="en-US" dirty="0"/>
+            <a:endParaRPr lang="en-US"/>
           </a:p>
         </p:txBody>
       </p:sp>
@@ -15114,7 +15085,7 @@
               <a:pPr/>
               <a:t>‹Nr.›</a:t>
             </a:fld>
-            <a:endParaRPr lang="en-US" dirty="0"/>
+            <a:endParaRPr lang="en-US"/>
           </a:p>
         </p:txBody>
       </p:sp>
@@ -15544,66 +15515,66 @@
           <a:lstStyle/>
           <a:p>
             <a:r>
-              <a:rPr lang="de-DE" dirty="0" err="1"/>
+              <a:rPr lang="de-DE" err="1"/>
               <a:t>Airfoil</a:t>
             </a:r>
             <a:r>
-              <a:rPr lang="de-DE" dirty="0"/>
+              <a:rPr lang="de-DE"/>
               <a:t> </a:t>
             </a:r>
             <a:r>
-              <a:rPr lang="de-DE" dirty="0" err="1"/>
+              <a:rPr lang="de-DE" err="1"/>
               <a:t>self</a:t>
             </a:r>
             <a:r>
-              <a:rPr lang="de-DE" dirty="0"/>
+              <a:rPr lang="de-DE"/>
               <a:t> </a:t>
             </a:r>
             <a:r>
-              <a:rPr lang="de-DE" dirty="0" err="1"/>
+              <a:rPr lang="de-DE" err="1"/>
               <a:t>noise</a:t>
             </a:r>
             <a:r>
-              <a:rPr lang="de-DE" dirty="0"/>
+              <a:rPr lang="de-DE"/>
               <a:t> </a:t>
             </a:r>
             <a:r>
-              <a:rPr lang="de-DE" dirty="0" err="1"/>
+              <a:rPr lang="de-DE" err="1"/>
               <a:t>prediction</a:t>
             </a:r>
             <a:r>
-              <a:rPr lang="de-DE" dirty="0"/>
+              <a:rPr lang="de-DE"/>
               <a:t> </a:t>
             </a:r>
             <a:r>
-              <a:rPr lang="de-DE" dirty="0" err="1"/>
+              <a:rPr lang="de-DE" err="1"/>
               <a:t>with</a:t>
             </a:r>
             <a:r>
-              <a:rPr lang="de-DE" dirty="0"/>
+              <a:rPr lang="de-DE"/>
+              <a:t> hybrid </a:t>
+            </a:r>
+            <a:r>
+              <a:rPr lang="de-DE" err="1"/>
+              <a:t>quantum</a:t>
+            </a:r>
+            <a:r>
+              <a:rPr lang="de-DE"/>
               <a:t> </a:t>
             </a:r>
             <a:r>
-              <a:rPr lang="de-DE"/>
-              <a:t>hybrid quantum</a:t>
-            </a:r>
-            <a:r>
-              <a:rPr lang="de-DE" dirty="0"/>
+              <a:rPr lang="de-DE" err="1"/>
+              <a:t>machine</a:t>
+            </a:r>
+            <a:r>
+              <a:rPr lang="de-DE"/>
               <a:t> </a:t>
             </a:r>
             <a:r>
-              <a:rPr lang="de-DE" dirty="0" err="1"/>
-              <a:t>machine</a:t>
-            </a:r>
-            <a:r>
-              <a:rPr lang="de-DE" dirty="0"/>
-              <a:t> </a:t>
-            </a:r>
-            <a:r>
-              <a:rPr lang="de-DE" dirty="0" err="1"/>
+              <a:rPr lang="de-DE" err="1"/>
               <a:t>learning</a:t>
             </a:r>
-            <a:endParaRPr lang="de-DE" dirty="0"/>
+            <a:endParaRPr lang="de-DE"/>
           </a:p>
         </p:txBody>
       </p:sp>
@@ -15629,15 +15600,15 @@
           <a:lstStyle/>
           <a:p>
             <a:r>
-              <a:rPr lang="de-DE" dirty="0"/>
+              <a:rPr lang="de-DE"/>
               <a:t>Samuel </a:t>
             </a:r>
             <a:r>
-              <a:rPr lang="de-DE" dirty="0" err="1"/>
+              <a:rPr lang="de-DE" err="1"/>
               <a:t>Lehmköster</a:t>
             </a:r>
             <a:r>
-              <a:rPr lang="de-DE" dirty="0"/>
+              <a:rPr lang="de-DE"/>
               <a:t>, Dilara Yildiz</a:t>
             </a:r>
           </a:p>
@@ -15753,24 +15724,20 @@
           <a:p>
             <a:r>
               <a:rPr lang="de-DE"/>
-              <a:t>Hybrid </a:t>
-            </a:r>
-            <a:r>
-              <a:rPr lang="de-DE" dirty="0"/>
-              <a:t>Quantum </a:t>
-            </a:r>
-            <a:r>
-              <a:rPr lang="de-DE" dirty="0" err="1"/>
+              <a:t>Hybrid Quantum </a:t>
+            </a:r>
+            <a:r>
+              <a:rPr lang="de-DE" err="1"/>
               <a:t>Machine</a:t>
             </a:r>
             <a:r>
-              <a:rPr lang="de-DE" dirty="0"/>
+              <a:rPr lang="de-DE"/>
               <a:t> Learning</a:t>
             </a:r>
             <a:br>
-              <a:rPr lang="de-DE" dirty="0"/>
+              <a:rPr lang="de-DE"/>
             </a:br>
-            <a:endParaRPr lang="en-SG" dirty="0"/>
+            <a:endParaRPr lang="en-SG"/>
           </a:p>
         </p:txBody>
       </p:sp>
@@ -15796,7 +15763,7 @@
           <a:lstStyle/>
           <a:p>
             <a:r>
-              <a:rPr lang="en-SG" dirty="0"/>
+              <a:rPr lang="en-SG"/>
               <a:t>Strong Entangling Layer</a:t>
             </a:r>
           </a:p>
@@ -15827,7 +15794,7 @@
               <a:rPr lang="de-DE"/>
               <a:t>01/25/2022</a:t>
             </a:r>
-            <a:endParaRPr lang="en-US" dirty="0"/>
+            <a:endParaRPr lang="en-US"/>
           </a:p>
         </p:txBody>
       </p:sp>
@@ -15858,15 +15825,15 @@
           <a:lstStyle/>
           <a:p>
             <a:r>
-              <a:rPr lang="en-US" dirty="0"/>
+              <a:rPr lang="en-US"/>
               <a:t>Dilara </a:t>
             </a:r>
             <a:r>
-              <a:rPr lang="en-US" dirty="0" err="1"/>
+              <a:rPr lang="en-US" err="1"/>
               <a:t>Yildiz</a:t>
             </a:r>
             <a:r>
-              <a:rPr lang="en-US" dirty="0"/>
+              <a:rPr lang="en-US"/>
               <a:t>, Samuel Lehmköster</a:t>
             </a:r>
           </a:p>
@@ -15898,7 +15865,7 @@
               <a:pPr/>
               <a:t>10</a:t>
             </a:fld>
-            <a:endParaRPr lang="en-US" dirty="0"/>
+            <a:endParaRPr lang="en-US"/>
           </a:p>
         </p:txBody>
       </p:sp>
@@ -15942,13 +15909,13 @@
   <p:clrMapOvr>
     <a:masterClrMapping/>
   </p:clrMapOvr>
-  <mc:AlternateContent xmlns:mc="http://schemas.openxmlformats.org/markup-compatibility/2006">
-    <mc:Choice xmlns:p159="http://schemas.microsoft.com/office/powerpoint/2015/09/main" Requires="p159">
+  <mc:AlternateContent xmlns:mc="http://schemas.openxmlformats.org/markup-compatibility/2006" xmlns:p159="http://schemas.microsoft.com/office/powerpoint/2015/09/main">
+    <mc:Choice Requires="p159">
       <p:transition xmlns:p14="http://schemas.microsoft.com/office/powerpoint/2010/main" spd="slow" p14:dur="2000">
         <p159:morph option="byObject"/>
       </p:transition>
     </mc:Choice>
-    <mc:Fallback>
+    <mc:Fallback xmlns="">
       <p:transition spd="slow">
         <p:fade/>
       </p:transition>
@@ -15995,32 +15962,32 @@
           <a:bodyPr/>
           <a:lstStyle/>
           <a:p>
-            <a:endParaRPr lang="en-SG" dirty="0"/>
-          </a:p>
-          <a:p>
-            <a:endParaRPr lang="en-SG" dirty="0"/>
-          </a:p>
-          <a:p>
-            <a:endParaRPr lang="en-SG" dirty="0"/>
-          </a:p>
-          <a:p>
-            <a:endParaRPr lang="en-SG" dirty="0"/>
-          </a:p>
-          <a:p>
-            <a:endParaRPr lang="en-SG" dirty="0"/>
-          </a:p>
-          <a:p>
-            <a:endParaRPr lang="en-SG" dirty="0"/>
-          </a:p>
-          <a:p>
-            <a:endParaRPr lang="en-SG" dirty="0"/>
-          </a:p>
-          <a:p>
-            <a:endParaRPr lang="en-SG" dirty="0"/>
-          </a:p>
-          <a:p>
-            <a:r>
-              <a:rPr lang="en-SG" dirty="0"/>
+            <a:endParaRPr lang="en-SG"/>
+          </a:p>
+          <a:p>
+            <a:endParaRPr lang="en-SG"/>
+          </a:p>
+          <a:p>
+            <a:endParaRPr lang="en-SG"/>
+          </a:p>
+          <a:p>
+            <a:endParaRPr lang="en-SG"/>
+          </a:p>
+          <a:p>
+            <a:endParaRPr lang="en-SG"/>
+          </a:p>
+          <a:p>
+            <a:endParaRPr lang="en-SG"/>
+          </a:p>
+          <a:p>
+            <a:endParaRPr lang="en-SG"/>
+          </a:p>
+          <a:p>
+            <a:endParaRPr lang="en-SG"/>
+          </a:p>
+          <a:p>
+            <a:r>
+              <a:rPr lang="en-SG"/>
               <a:t>Decoder is similar except of the input RY-gates and the output measurement are MS</a:t>
             </a:r>
           </a:p>
@@ -16048,7 +16015,7 @@
           <a:lstStyle/>
           <a:p>
             <a:r>
-              <a:rPr lang="en-SG" dirty="0"/>
+              <a:rPr lang="en-SG"/>
               <a:t>Quantum Autoencoder</a:t>
             </a:r>
           </a:p>
@@ -16076,15 +16043,15 @@
           <a:lstStyle/>
           <a:p>
             <a:r>
-              <a:rPr lang="en-SG" dirty="0"/>
+              <a:rPr lang="en-SG"/>
               <a:t>1</a:t>
             </a:r>
             <a:r>
-              <a:rPr lang="en-SG" baseline="30000" dirty="0"/>
+              <a:rPr lang="en-SG" baseline="30000"/>
               <a:t>st</a:t>
             </a:r>
             <a:r>
-              <a:rPr lang="en-SG" dirty="0"/>
+              <a:rPr lang="en-SG"/>
               <a:t> Set-Up</a:t>
             </a:r>
           </a:p>
@@ -16115,7 +16082,7 @@
               <a:rPr lang="de-DE"/>
               <a:t>01/25/2022</a:t>
             </a:r>
-            <a:endParaRPr lang="en-US" dirty="0"/>
+            <a:endParaRPr lang="en-US"/>
           </a:p>
         </p:txBody>
       </p:sp>
@@ -16141,15 +16108,15 @@
           <a:lstStyle/>
           <a:p>
             <a:r>
-              <a:rPr lang="en-US" dirty="0"/>
+              <a:rPr lang="en-US"/>
               <a:t>Dilara </a:t>
             </a:r>
             <a:r>
-              <a:rPr lang="en-US" dirty="0" err="1"/>
+              <a:rPr lang="en-US" err="1"/>
               <a:t>Yildiz</a:t>
             </a:r>
             <a:r>
-              <a:rPr lang="en-US" dirty="0"/>
+              <a:rPr lang="en-US"/>
               <a:t>, Samuel Lehmköster</a:t>
             </a:r>
           </a:p>
@@ -16181,7 +16148,7 @@
               <a:pPr/>
               <a:t>11</a:t>
             </a:fld>
-            <a:endParaRPr lang="en-US" dirty="0"/>
+            <a:endParaRPr lang="en-US"/>
           </a:p>
         </p:txBody>
       </p:sp>
@@ -16629,7 +16596,7 @@
           <a:lstStyle/>
           <a:p>
             <a:r>
-              <a:rPr lang="en-SG" dirty="0"/>
+              <a:rPr lang="en-SG"/>
               <a:t>Quantum Autoencoder</a:t>
             </a:r>
           </a:p>
@@ -16657,15 +16624,15 @@
           <a:lstStyle/>
           <a:p>
             <a:r>
-              <a:rPr lang="en-SG" dirty="0"/>
+              <a:rPr lang="en-SG"/>
               <a:t>Separate training: Encoder / 2</a:t>
             </a:r>
             <a:r>
-              <a:rPr lang="en-SG" baseline="30000" dirty="0"/>
+              <a:rPr lang="en-SG" baseline="30000"/>
               <a:t>nd</a:t>
             </a:r>
             <a:r>
-              <a:rPr lang="en-SG" dirty="0"/>
+              <a:rPr lang="en-SG"/>
               <a:t> Set-Up</a:t>
             </a:r>
           </a:p>
@@ -16725,7 +16692,7 @@
               <a:rPr lang="de-DE"/>
               <a:t>01/25/2022</a:t>
             </a:r>
-            <a:endParaRPr lang="en-US" dirty="0"/>
+            <a:endParaRPr lang="en-US"/>
           </a:p>
         </p:txBody>
       </p:sp>
@@ -16751,15 +16718,15 @@
           <a:lstStyle/>
           <a:p>
             <a:r>
-              <a:rPr lang="en-US" dirty="0"/>
+              <a:rPr lang="en-US"/>
               <a:t>Dilara </a:t>
             </a:r>
             <a:r>
-              <a:rPr lang="en-US" dirty="0" err="1"/>
+              <a:rPr lang="en-US" err="1"/>
               <a:t>Yildiz</a:t>
             </a:r>
             <a:r>
-              <a:rPr lang="en-US" dirty="0"/>
+              <a:rPr lang="en-US"/>
               <a:t>, Samuel Lehmköster</a:t>
             </a:r>
           </a:p>
@@ -16791,7 +16758,7 @@
               <a:pPr/>
               <a:t>13</a:t>
             </a:fld>
-            <a:endParaRPr lang="en-US" dirty="0"/>
+            <a:endParaRPr lang="en-US"/>
           </a:p>
         </p:txBody>
       </p:sp>
@@ -16877,7 +16844,7 @@
           <a:lstStyle/>
           <a:p>
             <a:r>
-              <a:rPr lang="en-SG" dirty="0"/>
+              <a:rPr lang="en-SG"/>
               <a:t>Quantum Autoencoder</a:t>
             </a:r>
           </a:p>
@@ -16905,15 +16872,15 @@
           <a:lstStyle/>
           <a:p>
             <a:r>
-              <a:rPr lang="en-SG" dirty="0"/>
+              <a:rPr lang="en-SG"/>
               <a:t>Separate training: Decoder / 2</a:t>
             </a:r>
             <a:r>
-              <a:rPr lang="en-SG" baseline="30000" dirty="0"/>
+              <a:rPr lang="en-SG" baseline="30000"/>
               <a:t>nd</a:t>
             </a:r>
             <a:r>
-              <a:rPr lang="en-SG" dirty="0"/>
+              <a:rPr lang="en-SG"/>
               <a:t> Set-Up</a:t>
             </a:r>
           </a:p>
@@ -16944,7 +16911,7 @@
               <a:rPr lang="de-DE"/>
               <a:t>01/25/2022</a:t>
             </a:r>
-            <a:endParaRPr lang="en-US" dirty="0"/>
+            <a:endParaRPr lang="en-US"/>
           </a:p>
         </p:txBody>
       </p:sp>
@@ -16970,15 +16937,15 @@
           <a:lstStyle/>
           <a:p>
             <a:r>
-              <a:rPr lang="en-US" dirty="0"/>
+              <a:rPr lang="en-US"/>
               <a:t>Dilara </a:t>
             </a:r>
             <a:r>
-              <a:rPr lang="en-US" dirty="0" err="1"/>
+              <a:rPr lang="en-US" err="1"/>
               <a:t>Yildiz</a:t>
             </a:r>
             <a:r>
-              <a:rPr lang="en-US" dirty="0"/>
+              <a:rPr lang="en-US"/>
               <a:t>, Samuel Lehmköster</a:t>
             </a:r>
           </a:p>
@@ -17010,7 +16977,7 @@
               <a:pPr/>
               <a:t>14</a:t>
             </a:fld>
-            <a:endParaRPr lang="en-US" dirty="0"/>
+            <a:endParaRPr lang="en-US"/>
           </a:p>
         </p:txBody>
       </p:sp>
@@ -17126,7 +17093,7 @@
           <a:lstStyle/>
           <a:p>
             <a:r>
-              <a:rPr lang="en-SG" dirty="0"/>
+              <a:rPr lang="en-SG"/>
               <a:t>Quantum Autoencoder</a:t>
             </a:r>
           </a:p>
@@ -17154,20 +17121,20 @@
           <a:lstStyle/>
           <a:p>
             <a:r>
-              <a:rPr lang="en-SG" dirty="0"/>
+              <a:rPr lang="en-SG"/>
               <a:t>Whole 2</a:t>
             </a:r>
             <a:r>
-              <a:rPr lang="en-SG" baseline="30000" dirty="0"/>
+              <a:rPr lang="en-SG" baseline="30000"/>
               <a:t>nd</a:t>
             </a:r>
             <a:r>
-              <a:rPr lang="en-SG" dirty="0"/>
+              <a:rPr lang="en-SG"/>
               <a:t> Set-Up in Combination Re-Trained</a:t>
             </a:r>
           </a:p>
           <a:p>
-            <a:endParaRPr lang="en-SG" dirty="0"/>
+            <a:endParaRPr lang="en-SG"/>
           </a:p>
         </p:txBody>
       </p:sp>
@@ -17193,7 +17160,7 @@
           <a:lstStyle/>
           <a:p>
             <a:r>
-              <a:rPr lang="en-SG" dirty="0"/>
+              <a:rPr lang="en-SG"/>
               <a:t>Classical Autoencoder</a:t>
             </a:r>
           </a:p>
@@ -17221,7 +17188,7 @@
           <a:lstStyle/>
           <a:p>
             <a:r>
-              <a:rPr lang="en-SG" dirty="0"/>
+              <a:rPr lang="en-SG"/>
               <a:t>Quantum Autoencoder 2</a:t>
             </a:r>
           </a:p>
@@ -17252,7 +17219,7 @@
               <a:rPr lang="de-DE"/>
               <a:t>01/25/2022</a:t>
             </a:r>
-            <a:endParaRPr lang="en-US" dirty="0"/>
+            <a:endParaRPr lang="en-US"/>
           </a:p>
         </p:txBody>
       </p:sp>
@@ -17281,7 +17248,6 @@
               <a:rPr lang="en-US"/>
               <a:t>Name</a:t>
             </a:r>
-            <a:endParaRPr lang="en-US" dirty="0"/>
           </a:p>
         </p:txBody>
       </p:sp>
@@ -17311,7 +17277,7 @@
               <a:pPr/>
               <a:t>15</a:t>
             </a:fld>
-            <a:endParaRPr lang="en-US" dirty="0"/>
+            <a:endParaRPr lang="en-US"/>
           </a:p>
         </p:txBody>
       </p:sp>
@@ -17525,18 +17491,17 @@
           <a:lstStyle/>
           <a:p>
             <a:r>
-              <a:rPr lang="en-US" dirty="0"/>
+              <a:rPr lang="en-US"/>
               <a:t>Dilara </a:t>
             </a:r>
             <a:r>
-              <a:rPr lang="en-US" dirty="0" err="1"/>
+              <a:rPr lang="en-US" err="1"/>
               <a:t>Yildiz</a:t>
             </a:r>
             <a:r>
-              <a:rPr lang="en-US" dirty="0"/>
+              <a:rPr lang="en-US"/>
               <a:t>, Samuel Lehmköster</a:t>
             </a:r>
-            <a:endParaRPr lang="en-US"/>
           </a:p>
         </p:txBody>
       </p:sp>
@@ -17714,187 +17679,16 @@
           <a:p>
             <a:pPr marL="170815" indent="-170815"/>
             <a:r>
-              <a:rPr lang="de-DE" dirty="0">
+              <a:rPr lang="de-DE">
                 <a:cs typeface="Arial"/>
               </a:rPr>
               <a:t>The minimal </a:t>
             </a:r>
             <a:r>
-              <a:rPr lang="de-DE" dirty="0" err="1">
+              <a:rPr lang="de-DE" err="1">
                 <a:cs typeface="Arial"/>
               </a:rPr>
               <a:t>loss</a:t>
-            </a:r>
-            <a:r>
-              <a:rPr lang="de-DE" dirty="0">
-                <a:cs typeface="Arial"/>
-              </a:rPr>
-              <a:t> </a:t>
-            </a:r>
-            <a:r>
-              <a:rPr lang="de-DE" dirty="0" err="1">
-                <a:cs typeface="Arial"/>
-              </a:rPr>
-              <a:t>is</a:t>
-            </a:r>
-            <a:r>
-              <a:rPr lang="de-DE" dirty="0">
-                <a:cs typeface="Arial"/>
-              </a:rPr>
-              <a:t> </a:t>
-            </a:r>
-            <a:r>
-              <a:rPr lang="de-DE" dirty="0" err="1">
-                <a:cs typeface="Arial"/>
-              </a:rPr>
-              <a:t>similar</a:t>
-            </a:r>
-            <a:r>
-              <a:rPr lang="de-DE" dirty="0">
-                <a:cs typeface="Arial"/>
-              </a:rPr>
-              <a:t> </a:t>
-            </a:r>
-            <a:r>
-              <a:rPr lang="de-DE" dirty="0" err="1">
-                <a:cs typeface="Arial"/>
-              </a:rPr>
-              <a:t>for</a:t>
-            </a:r>
-            <a:r>
-              <a:rPr lang="de-DE" dirty="0">
-                <a:cs typeface="Arial"/>
-              </a:rPr>
-              <a:t> all </a:t>
-            </a:r>
-            <a:r>
-              <a:rPr lang="de-DE" dirty="0" err="1">
-                <a:cs typeface="Arial"/>
-              </a:rPr>
-              <a:t>cases</a:t>
-            </a:r>
-            <a:endParaRPr lang="de-DE" dirty="0">
-              <a:cs typeface="Arial"/>
-            </a:endParaRPr>
-          </a:p>
-          <a:p>
-            <a:pPr marL="170815" indent="-170815"/>
-            <a:r>
-              <a:rPr lang="de-DE" dirty="0" err="1">
-                <a:cs typeface="Arial"/>
-              </a:rPr>
-              <a:t>Convergences</a:t>
-            </a:r>
-            <a:r>
-              <a:rPr lang="de-DE" dirty="0">
-                <a:cs typeface="Arial"/>
-              </a:rPr>
-              <a:t> </a:t>
-            </a:r>
-            <a:r>
-              <a:rPr lang="de-DE" dirty="0" err="1">
-                <a:cs typeface="Arial"/>
-              </a:rPr>
-              <a:t>behaviour</a:t>
-            </a:r>
-            <a:r>
-              <a:rPr lang="de-DE" dirty="0">
-                <a:cs typeface="Arial"/>
-              </a:rPr>
-              <a:t> </a:t>
-            </a:r>
-            <a:r>
-              <a:rPr lang="de-DE" dirty="0" err="1">
-                <a:cs typeface="Arial"/>
-              </a:rPr>
-              <a:t>differs</a:t>
-            </a:r>
-            <a:r>
-              <a:rPr lang="de-DE" dirty="0">
-                <a:cs typeface="Arial"/>
-              </a:rPr>
-              <a:t>:</a:t>
-            </a:r>
-          </a:p>
-          <a:p>
-            <a:pPr marL="535940" lvl="2" indent="-175895"/>
-            <a:r>
-              <a:rPr lang="de-DE" dirty="0">
-                <a:cs typeface="Arial"/>
-              </a:rPr>
-              <a:t>Normal </a:t>
-            </a:r>
-            <a:r>
-              <a:rPr lang="de-DE" dirty="0" err="1">
-                <a:cs typeface="Arial"/>
-              </a:rPr>
-              <a:t>autoencoder</a:t>
-            </a:r>
-            <a:r>
-              <a:rPr lang="de-DE" dirty="0">
-                <a:cs typeface="Arial"/>
-              </a:rPr>
-              <a:t> </a:t>
-            </a:r>
-            <a:r>
-              <a:rPr lang="de-DE" dirty="0" err="1">
-                <a:cs typeface="Arial"/>
-              </a:rPr>
-              <a:t>steepest</a:t>
-            </a:r>
-            <a:endParaRPr lang="de-DE" dirty="0">
-              <a:cs typeface="Arial"/>
-            </a:endParaRPr>
-          </a:p>
-          <a:p>
-            <a:pPr marL="535940" lvl="2" indent="-175895"/>
-            <a:r>
-              <a:rPr lang="de-DE" dirty="0">
-                <a:cs typeface="Arial"/>
-              </a:rPr>
-              <a:t>2nd Quantum </a:t>
-            </a:r>
-            <a:r>
-              <a:rPr lang="de-DE" dirty="0" err="1">
-                <a:cs typeface="Arial"/>
-              </a:rPr>
-              <a:t>autoencoder</a:t>
-            </a:r>
-            <a:r>
-              <a:rPr lang="de-DE" dirty="0">
-                <a:cs typeface="Arial"/>
-              </a:rPr>
-              <a:t> </a:t>
-            </a:r>
-            <a:r>
-              <a:rPr lang="de-DE" dirty="0" err="1">
-                <a:cs typeface="Arial"/>
-              </a:rPr>
-              <a:t>first</a:t>
-            </a:r>
-            <a:r>
-              <a:rPr lang="de-DE" dirty="0">
-                <a:cs typeface="Arial"/>
-              </a:rPr>
-              <a:t> </a:t>
-            </a:r>
-            <a:r>
-              <a:rPr lang="de-DE" dirty="0" err="1">
-                <a:cs typeface="Arial"/>
-              </a:rPr>
-              <a:t>full</a:t>
-            </a:r>
-            <a:r>
-              <a:rPr lang="de-DE" dirty="0">
-                <a:cs typeface="Arial"/>
-              </a:rPr>
-              <a:t> </a:t>
-            </a:r>
-            <a:r>
-              <a:rPr lang="de-DE" dirty="0" err="1">
-                <a:cs typeface="Arial"/>
-              </a:rPr>
-              <a:t>convergence</a:t>
             </a:r>
             <a:r>
               <a:rPr lang="de-DE">
@@ -17906,6 +17700,177 @@
               <a:rPr lang="de-DE" err="1">
                 <a:cs typeface="Arial"/>
               </a:rPr>
+              <a:t>is</a:t>
+            </a:r>
+            <a:r>
+              <a:rPr lang="de-DE">
+                <a:cs typeface="Arial"/>
+              </a:rPr>
+              <a:t> </a:t>
+            </a:r>
+            <a:r>
+              <a:rPr lang="de-DE" err="1">
+                <a:cs typeface="Arial"/>
+              </a:rPr>
+              <a:t>similar</a:t>
+            </a:r>
+            <a:r>
+              <a:rPr lang="de-DE">
+                <a:cs typeface="Arial"/>
+              </a:rPr>
+              <a:t> </a:t>
+            </a:r>
+            <a:r>
+              <a:rPr lang="de-DE" err="1">
+                <a:cs typeface="Arial"/>
+              </a:rPr>
+              <a:t>for</a:t>
+            </a:r>
+            <a:r>
+              <a:rPr lang="de-DE">
+                <a:cs typeface="Arial"/>
+              </a:rPr>
+              <a:t> all </a:t>
+            </a:r>
+            <a:r>
+              <a:rPr lang="de-DE" err="1">
+                <a:cs typeface="Arial"/>
+              </a:rPr>
+              <a:t>cases</a:t>
+            </a:r>
+            <a:endParaRPr lang="de-DE">
+              <a:cs typeface="Arial"/>
+            </a:endParaRPr>
+          </a:p>
+          <a:p>
+            <a:pPr marL="170815" indent="-170815"/>
+            <a:r>
+              <a:rPr lang="de-DE" err="1">
+                <a:cs typeface="Arial"/>
+              </a:rPr>
+              <a:t>Convergences</a:t>
+            </a:r>
+            <a:r>
+              <a:rPr lang="de-DE">
+                <a:cs typeface="Arial"/>
+              </a:rPr>
+              <a:t> </a:t>
+            </a:r>
+            <a:r>
+              <a:rPr lang="de-DE" err="1">
+                <a:cs typeface="Arial"/>
+              </a:rPr>
+              <a:t>behaviour</a:t>
+            </a:r>
+            <a:r>
+              <a:rPr lang="de-DE">
+                <a:cs typeface="Arial"/>
+              </a:rPr>
+              <a:t> </a:t>
+            </a:r>
+            <a:r>
+              <a:rPr lang="de-DE" err="1">
+                <a:cs typeface="Arial"/>
+              </a:rPr>
+              <a:t>differs</a:t>
+            </a:r>
+            <a:r>
+              <a:rPr lang="de-DE">
+                <a:cs typeface="Arial"/>
+              </a:rPr>
+              <a:t>:</a:t>
+            </a:r>
+          </a:p>
+          <a:p>
+            <a:pPr marL="535940" lvl="2" indent="-175895"/>
+            <a:r>
+              <a:rPr lang="de-DE">
+                <a:cs typeface="Arial"/>
+              </a:rPr>
+              <a:t>Normal </a:t>
+            </a:r>
+            <a:r>
+              <a:rPr lang="de-DE" err="1">
+                <a:cs typeface="Arial"/>
+              </a:rPr>
+              <a:t>autoencoder</a:t>
+            </a:r>
+            <a:r>
+              <a:rPr lang="de-DE">
+                <a:cs typeface="Arial"/>
+              </a:rPr>
+              <a:t> </a:t>
+            </a:r>
+            <a:r>
+              <a:rPr lang="de-DE" err="1">
+                <a:cs typeface="Arial"/>
+              </a:rPr>
+              <a:t>steepest</a:t>
+            </a:r>
+            <a:endParaRPr lang="de-DE">
+              <a:cs typeface="Arial"/>
+            </a:endParaRPr>
+          </a:p>
+          <a:p>
+            <a:pPr marL="535940" lvl="2" indent="-175895"/>
+            <a:r>
+              <a:rPr lang="de-DE">
+                <a:cs typeface="Arial"/>
+              </a:rPr>
+              <a:t>2nd Quantum </a:t>
+            </a:r>
+            <a:r>
+              <a:rPr lang="de-DE" err="1">
+                <a:cs typeface="Arial"/>
+              </a:rPr>
+              <a:t>autoencoder</a:t>
+            </a:r>
+            <a:r>
+              <a:rPr lang="de-DE">
+                <a:cs typeface="Arial"/>
+              </a:rPr>
+              <a:t> </a:t>
+            </a:r>
+            <a:r>
+              <a:rPr lang="de-DE" err="1">
+                <a:cs typeface="Arial"/>
+              </a:rPr>
+              <a:t>first</a:t>
+            </a:r>
+            <a:r>
+              <a:rPr lang="de-DE">
+                <a:cs typeface="Arial"/>
+              </a:rPr>
+              <a:t> </a:t>
+            </a:r>
+            <a:r>
+              <a:rPr lang="de-DE" err="1">
+                <a:cs typeface="Arial"/>
+              </a:rPr>
+              <a:t>full</a:t>
+            </a:r>
+            <a:r>
+              <a:rPr lang="de-DE">
+                <a:cs typeface="Arial"/>
+              </a:rPr>
+              <a:t> </a:t>
+            </a:r>
+            <a:r>
+              <a:rPr lang="de-DE" err="1">
+                <a:cs typeface="Arial"/>
+              </a:rPr>
+              <a:t>convergence</a:t>
+            </a:r>
+            <a:r>
+              <a:rPr lang="de-DE">
+                <a:cs typeface="Arial"/>
+              </a:rPr>
+              <a:t> </a:t>
+            </a:r>
+            <a:r>
+              <a:rPr lang="de-DE" err="1">
+                <a:cs typeface="Arial"/>
+              </a:rPr>
               <a:t>to</a:t>
             </a:r>
             <a:r>
@@ -17914,9 +17879,6 @@
               </a:rPr>
               <a:t> optimum</a:t>
             </a:r>
-            <a:endParaRPr lang="de-DE" dirty="0">
-              <a:cs typeface="Arial"/>
-            </a:endParaRPr>
           </a:p>
           <a:p>
             <a:pPr marL="170815" indent="-170815">
@@ -17924,7 +17886,7 @@
                 <a:srgbClr val="00BEFF"/>
               </a:buClr>
             </a:pPr>
-            <a:endParaRPr lang="de-DE" dirty="0">
+            <a:endParaRPr lang="de-DE">
               <a:cs typeface="Arial"/>
             </a:endParaRPr>
           </a:p>
@@ -17981,18 +17943,17 @@
           <a:lstStyle/>
           <a:p>
             <a:r>
-              <a:rPr lang="en-US" dirty="0"/>
+              <a:rPr lang="en-US"/>
               <a:t>Dilara </a:t>
             </a:r>
             <a:r>
-              <a:rPr lang="en-US" dirty="0" err="1"/>
+              <a:rPr lang="en-US" err="1"/>
               <a:t>Yildiz</a:t>
             </a:r>
             <a:r>
-              <a:rPr lang="en-US" dirty="0"/>
+              <a:rPr lang="en-US"/>
               <a:t>, Samuel Lehmköster</a:t>
             </a:r>
-            <a:endParaRPr lang="en-US"/>
           </a:p>
         </p:txBody>
       </p:sp>
@@ -18036,13 +17997,13 @@
   <p:clrMapOvr>
     <a:masterClrMapping/>
   </p:clrMapOvr>
-  <mc:AlternateContent xmlns:mc="http://schemas.openxmlformats.org/markup-compatibility/2006">
-    <mc:Choice xmlns:p159="http://schemas.microsoft.com/office/powerpoint/2015/09/main" Requires="p159">
+  <mc:AlternateContent xmlns:mc="http://schemas.openxmlformats.org/markup-compatibility/2006" xmlns:p159="http://schemas.microsoft.com/office/powerpoint/2015/09/main">
+    <mc:Choice Requires="p159">
       <p:transition xmlns:p14="http://schemas.microsoft.com/office/powerpoint/2010/main" spd="slow" p14:dur="2000">
         <p159:morph option="byObject"/>
       </p:transition>
     </mc:Choice>
-    <mc:Fallback>
+    <mc:Fallback xmlns="">
       <p:transition spd="slow">
         <p:fade/>
       </p:transition>
@@ -18159,38 +18120,38 @@
               <a:buChar char="v"/>
             </a:pPr>
             <a:r>
-              <a:rPr lang="de-DE" dirty="0"/>
+              <a:rPr lang="de-DE"/>
               <a:t>Simple hybrid </a:t>
             </a:r>
             <a:r>
-              <a:rPr lang="de-DE" dirty="0" err="1"/>
+              <a:rPr lang="de-DE" err="1"/>
               <a:t>quantum</a:t>
             </a:r>
             <a:r>
-              <a:rPr lang="de-DE" dirty="0"/>
+              <a:rPr lang="de-DE"/>
               <a:t> NNs </a:t>
             </a:r>
             <a:r>
-              <a:rPr lang="de-DE" dirty="0" err="1"/>
+              <a:rPr lang="de-DE" err="1"/>
               <a:t>are</a:t>
             </a:r>
             <a:r>
-              <a:rPr lang="de-DE" dirty="0"/>
+              <a:rPr lang="de-DE"/>
               <a:t> </a:t>
             </a:r>
             <a:r>
-              <a:rPr lang="de-DE" dirty="0" err="1"/>
+              <a:rPr lang="de-DE" err="1"/>
               <a:t>more</a:t>
             </a:r>
             <a:r>
-              <a:rPr lang="de-DE" dirty="0"/>
+              <a:rPr lang="de-DE"/>
               <a:t> sensitive in </a:t>
             </a:r>
             <a:r>
-              <a:rPr lang="de-DE" dirty="0" err="1"/>
+              <a:rPr lang="de-DE" err="1"/>
               <a:t>training</a:t>
             </a:r>
-            <a:endParaRPr lang="de-DE" dirty="0"/>
+            <a:endParaRPr lang="de-DE"/>
           </a:p>
           <a:p>
             <a:pPr marL="285750" indent="-285750">
@@ -18198,59 +18159,59 @@
               <a:buChar char="v"/>
             </a:pPr>
             <a:r>
-              <a:rPr lang="de-DE" dirty="0" err="1"/>
+              <a:rPr lang="de-DE" err="1"/>
               <a:t>Simulated</a:t>
             </a:r>
             <a:r>
-              <a:rPr lang="de-DE" dirty="0"/>
+              <a:rPr lang="de-DE"/>
               <a:t> </a:t>
             </a:r>
             <a:r>
-              <a:rPr lang="de-DE" dirty="0" err="1"/>
+              <a:rPr lang="de-DE" err="1"/>
               <a:t>quantum</a:t>
             </a:r>
             <a:r>
-              <a:rPr lang="de-DE" dirty="0"/>
+              <a:rPr lang="de-DE"/>
               <a:t> </a:t>
             </a:r>
             <a:r>
-              <a:rPr lang="de-DE" dirty="0" err="1"/>
+              <a:rPr lang="de-DE" err="1"/>
               <a:t>ciruits</a:t>
             </a:r>
             <a:r>
-              <a:rPr lang="de-DE" dirty="0"/>
+              <a:rPr lang="de-DE"/>
               <a:t> </a:t>
             </a:r>
             <a:r>
-              <a:rPr lang="de-DE" dirty="0" err="1"/>
+              <a:rPr lang="de-DE" err="1"/>
               <a:t>need</a:t>
             </a:r>
             <a:r>
-              <a:rPr lang="de-DE" dirty="0"/>
+              <a:rPr lang="de-DE"/>
               <a:t> </a:t>
             </a:r>
             <a:r>
-              <a:rPr lang="de-DE" dirty="0" err="1"/>
+              <a:rPr lang="de-DE" err="1"/>
               <a:t>way</a:t>
             </a:r>
             <a:r>
-              <a:rPr lang="de-DE" dirty="0"/>
+              <a:rPr lang="de-DE"/>
               <a:t> </a:t>
             </a:r>
             <a:r>
-              <a:rPr lang="de-DE" dirty="0" err="1"/>
+              <a:rPr lang="de-DE" err="1"/>
               <a:t>more</a:t>
             </a:r>
             <a:r>
-              <a:rPr lang="de-DE" dirty="0"/>
+              <a:rPr lang="de-DE"/>
               <a:t> </a:t>
             </a:r>
             <a:r>
-              <a:rPr lang="de-DE" dirty="0" err="1"/>
+              <a:rPr lang="de-DE" err="1"/>
               <a:t>computational</a:t>
             </a:r>
             <a:r>
-              <a:rPr lang="de-DE" dirty="0"/>
+              <a:rPr lang="de-DE"/>
               <a:t> time</a:t>
             </a:r>
           </a:p>
@@ -18282,78 +18243,78 @@
               <a:buChar char="v"/>
             </a:pPr>
             <a:r>
-              <a:rPr lang="de-DE" dirty="0">
+              <a:rPr lang="de-DE">
                 <a:cs typeface="Arial"/>
               </a:rPr>
               <a:t>More </a:t>
             </a:r>
             <a:r>
-              <a:rPr lang="de-DE" dirty="0" err="1">
+              <a:rPr lang="de-DE" err="1">
                 <a:cs typeface="Arial"/>
               </a:rPr>
               <a:t>complex</a:t>
             </a:r>
             <a:r>
-              <a:rPr lang="de-DE" dirty="0">
+              <a:rPr lang="de-DE">
                 <a:cs typeface="Arial"/>
               </a:rPr>
               <a:t> hybrid </a:t>
             </a:r>
             <a:r>
-              <a:rPr lang="de-DE" dirty="0" err="1">
+              <a:rPr lang="de-DE" err="1">
                 <a:cs typeface="Arial"/>
               </a:rPr>
               <a:t>quantum</a:t>
             </a:r>
             <a:r>
-              <a:rPr lang="de-DE" dirty="0">
+              <a:rPr lang="de-DE">
                 <a:cs typeface="Arial"/>
               </a:rPr>
               <a:t> NNs </a:t>
             </a:r>
             <a:r>
-              <a:rPr lang="de-DE" dirty="0" err="1">
+              <a:rPr lang="de-DE" err="1">
                 <a:cs typeface="Arial"/>
               </a:rPr>
               <a:t>seem</a:t>
             </a:r>
             <a:r>
-              <a:rPr lang="de-DE" dirty="0">
+              <a:rPr lang="de-DE">
                 <a:cs typeface="Arial"/>
               </a:rPr>
               <a:t> </a:t>
             </a:r>
             <a:r>
-              <a:rPr lang="de-DE" dirty="0" err="1">
+              <a:rPr lang="de-DE" err="1">
                 <a:cs typeface="Arial"/>
               </a:rPr>
               <a:t>to</a:t>
             </a:r>
             <a:r>
-              <a:rPr lang="de-DE" dirty="0">
+              <a:rPr lang="de-DE">
                 <a:cs typeface="Arial"/>
               </a:rPr>
               <a:t> find </a:t>
             </a:r>
             <a:r>
-              <a:rPr lang="de-DE" dirty="0" err="1">
+              <a:rPr lang="de-DE" err="1">
                 <a:cs typeface="Arial"/>
               </a:rPr>
               <a:t>more</a:t>
             </a:r>
             <a:r>
-              <a:rPr lang="de-DE" dirty="0">
+              <a:rPr lang="de-DE">
                 <a:cs typeface="Arial"/>
               </a:rPr>
               <a:t> robust </a:t>
             </a:r>
             <a:r>
-              <a:rPr lang="de-DE" dirty="0" err="1">
+              <a:rPr lang="de-DE" err="1">
                 <a:cs typeface="Arial"/>
               </a:rPr>
               <a:t>minimum</a:t>
             </a:r>
-            <a:endParaRPr lang="de-DE" dirty="0">
+            <a:endParaRPr lang="de-DE">
               <a:cs typeface="Arial"/>
             </a:endParaRPr>
           </a:p>
@@ -18362,7 +18323,7 @@
               <a:buNone/>
             </a:pPr>
             <a:r>
-              <a:rPr lang="de-DE" dirty="0">
+              <a:rPr lang="de-DE">
                 <a:solidFill>
                   <a:srgbClr val="3E444C"/>
                 </a:solidFill>
@@ -18372,7 +18333,7 @@
               <a:t></a:t>
             </a:r>
             <a:r>
-              <a:rPr lang="de-DE" dirty="0">
+              <a:rPr lang="de-DE">
                 <a:solidFill>
                   <a:srgbClr val="3E444C"/>
                 </a:solidFill>
@@ -18381,7 +18342,7 @@
               <a:t>Fast </a:t>
             </a:r>
             <a:r>
-              <a:rPr lang="de-DE" dirty="0" err="1">
+              <a:rPr lang="de-DE" err="1">
                 <a:solidFill>
                   <a:srgbClr val="3E444C"/>
                 </a:solidFill>
@@ -18390,7 +18351,7 @@
               <a:t>convergence</a:t>
             </a:r>
             <a:r>
-              <a:rPr lang="de-DE" dirty="0">
+              <a:rPr lang="de-DE">
                 <a:solidFill>
                   <a:srgbClr val="3E444C"/>
                 </a:solidFill>
@@ -18399,7 +18360,7 @@
               <a:t> </a:t>
             </a:r>
             <a:r>
-              <a:rPr lang="de-DE" dirty="0" err="1">
+              <a:rPr lang="de-DE" err="1">
                 <a:solidFill>
                   <a:srgbClr val="3E444C"/>
                 </a:solidFill>
@@ -18408,34 +18369,16 @@
               <a:t>regarding</a:t>
             </a:r>
             <a:r>
-              <a:rPr lang="de-DE" dirty="0">
+              <a:rPr lang="de-DE">
                 <a:solidFill>
                   <a:srgbClr val="3E444C"/>
                 </a:solidFill>
                 <a:cs typeface="Arial"/>
               </a:rPr>
-              <a:t> </a:t>
-            </a:r>
-            <a:r>
-              <a:rPr lang="de-DE" dirty="0" err="1">
-                <a:solidFill>
-                  <a:srgbClr val="3E444C"/>
-                </a:solidFill>
-                <a:cs typeface="Arial"/>
-              </a:rPr>
-              <a:t>the</a:t>
-            </a:r>
-            <a:r>
-              <a:rPr lang="de-DE" dirty="0">
-                <a:solidFill>
-                  <a:srgbClr val="3E444C"/>
-                </a:solidFill>
-                <a:cs typeface="Arial"/>
-              </a:rPr>
-              <a:t> </a:t>
-            </a:r>
-            <a:r>
-              <a:rPr lang="de-DE" dirty="0" err="1">
+              <a:t> the </a:t>
+            </a:r>
+            <a:r>
+              <a:rPr lang="de-DE" err="1">
                 <a:solidFill>
                   <a:srgbClr val="3E444C"/>
                 </a:solidFill>
@@ -18443,7 +18386,7 @@
               </a:rPr>
               <a:t>epochs</a:t>
             </a:r>
-            <a:endParaRPr lang="de-DE" dirty="0">
+            <a:endParaRPr lang="de-DE">
               <a:solidFill>
                 <a:srgbClr val="3E444C"/>
               </a:solidFill>
@@ -18647,31 +18590,31 @@
               <a:buChar char="v"/>
             </a:pPr>
             <a:r>
-              <a:rPr lang="de-DE" dirty="0">
+              <a:rPr lang="de-DE">
                 <a:cs typeface="Arial"/>
               </a:rPr>
               <a:t>Quantum </a:t>
             </a:r>
             <a:r>
-              <a:rPr lang="de-DE" dirty="0" err="1">
+              <a:rPr lang="de-DE" err="1">
                 <a:cs typeface="Arial"/>
               </a:rPr>
               <a:t>encoder</a:t>
             </a:r>
             <a:r>
-              <a:rPr lang="de-DE" dirty="0">
+              <a:rPr lang="de-DE">
                 <a:cs typeface="Arial"/>
               </a:rPr>
               <a:t> </a:t>
             </a:r>
             <a:r>
-              <a:rPr lang="de-DE" dirty="0" err="1">
+              <a:rPr lang="de-DE" err="1">
                 <a:cs typeface="Arial"/>
               </a:rPr>
               <a:t>seem</a:t>
             </a:r>
             <a:r>
-              <a:rPr lang="de-DE" dirty="0">
+              <a:rPr lang="de-DE">
                 <a:cs typeface="Arial"/>
               </a:rPr>
               <a:t> </a:t>
@@ -18683,7 +18626,7 @@
               <a:t>to</a:t>
             </a:r>
             <a:r>
-              <a:rPr lang="de-DE" dirty="0">
+              <a:rPr lang="de-DE">
                 <a:cs typeface="Arial"/>
               </a:rPr>
               <a:t> </a:t>
@@ -18695,43 +18638,43 @@
               <a:t>have</a:t>
             </a:r>
             <a:r>
-              <a:rPr lang="de-DE" dirty="0">
+              <a:rPr lang="de-DE">
                 <a:cs typeface="Arial"/>
               </a:rPr>
               <a:t> a </a:t>
             </a:r>
             <a:r>
-              <a:rPr lang="de-DE" dirty="0" err="1">
+              <a:rPr lang="de-DE" err="1">
                 <a:cs typeface="Arial"/>
               </a:rPr>
               <a:t>slightly</a:t>
             </a:r>
             <a:r>
-              <a:rPr lang="de-DE" dirty="0">
+              <a:rPr lang="de-DE">
                 <a:cs typeface="Arial"/>
               </a:rPr>
               <a:t> </a:t>
             </a:r>
             <a:r>
-              <a:rPr lang="de-DE" dirty="0" err="1">
+              <a:rPr lang="de-DE" err="1">
                 <a:cs typeface="Arial"/>
               </a:rPr>
               <a:t>better</a:t>
             </a:r>
             <a:r>
-              <a:rPr lang="de-DE" dirty="0">
+              <a:rPr lang="de-DE">
                 <a:cs typeface="Arial"/>
               </a:rPr>
               <a:t> </a:t>
             </a:r>
             <a:r>
-              <a:rPr lang="de-DE" dirty="0" err="1">
+              <a:rPr lang="de-DE" err="1">
                 <a:cs typeface="Arial"/>
               </a:rPr>
               <a:t>compression</a:t>
             </a:r>
             <a:r>
-              <a:rPr lang="de-DE" dirty="0">
+              <a:rPr lang="de-DE">
                 <a:cs typeface="Arial"/>
               </a:rPr>
               <a:t> </a:t>
@@ -18743,19 +18686,19 @@
               <a:t>of</a:t>
             </a:r>
             <a:r>
-              <a:rPr lang="de-DE" dirty="0">
+              <a:rPr lang="de-DE">
                 <a:cs typeface="Arial"/>
               </a:rPr>
               <a:t> </a:t>
             </a:r>
             <a:r>
-              <a:rPr lang="de-DE" dirty="0" err="1">
+              <a:rPr lang="de-DE" err="1">
                 <a:cs typeface="Arial"/>
               </a:rPr>
               <a:t>data</a:t>
             </a:r>
             <a:r>
-              <a:rPr lang="de-DE" dirty="0">
+              <a:rPr lang="de-DE">
                 <a:cs typeface="Arial"/>
               </a:rPr>
               <a:t> </a:t>
@@ -18767,25 +18710,25 @@
               <a:t>to</a:t>
             </a:r>
             <a:r>
-              <a:rPr lang="de-DE" dirty="0">
+              <a:rPr lang="de-DE">
                 <a:cs typeface="Arial"/>
               </a:rPr>
               <a:t> </a:t>
             </a:r>
             <a:r>
-              <a:rPr lang="de-DE" dirty="0" err="1">
+              <a:rPr lang="de-DE" err="1">
                 <a:cs typeface="Arial"/>
               </a:rPr>
               <a:t>the</a:t>
             </a:r>
             <a:r>
-              <a:rPr lang="de-DE" dirty="0">
+              <a:rPr lang="de-DE">
                 <a:cs typeface="Arial"/>
               </a:rPr>
               <a:t> latent </a:t>
             </a:r>
             <a:r>
-              <a:rPr lang="de-DE" dirty="0" err="1">
+              <a:rPr lang="de-DE" err="1">
                 <a:cs typeface="Arial"/>
               </a:rPr>
               <a:t>space</a:t>
@@ -18847,7 +18790,7 @@
           <a:lstStyle/>
           <a:p>
             <a:r>
-              <a:rPr lang="en-US" dirty="0"/>
+              <a:rPr lang="en-US"/>
               <a:t>Dilara Yildiz, Samuel Lehmköster</a:t>
             </a:r>
           </a:p>
@@ -19035,7 +18978,7 @@
           <a:lstStyle/>
           <a:p>
             <a:r>
-              <a:rPr lang="de-DE" dirty="0"/>
+              <a:rPr lang="de-DE"/>
               <a:t>Dilara Yildiz &amp; Samuel Lehmköster</a:t>
             </a:r>
           </a:p>
@@ -19068,14 +19011,10 @@
           <a:lstStyle/>
           <a:p>
             <a:r>
-              <a:rPr lang="de-DE" dirty="0"/>
-              <a:t>E</a:t>
-            </a:r>
-            <a:r>
-              <a:rPr lang="de-DE"/>
-              <a:t>-mail</a:t>
-            </a:r>
-            <a:endParaRPr lang="de-DE" dirty="0"/>
+              <a:rPr lang="de-DE" err="1"/>
+              <a:t>e-mail</a:t>
+            </a:r>
+            <a:endParaRPr lang="de-DE"/>
           </a:p>
         </p:txBody>
       </p:sp>
@@ -19106,39 +19045,27 @@
           <a:lstStyle/>
           <a:p>
             <a:r>
-              <a:rPr lang="de-DE" dirty="0">
-                <a:hlinkClick r:id="rId3">
-                  <a:extLst>
-                    <a:ext uri="{A12FA001-AC4F-418D-AE19-62706E023703}">
-                      <ahyp:hlinkClr xmlns:ahyp="http://schemas.microsoft.com/office/drawing/2018/hyperlinkcolor" val="tx"/>
-                    </a:ext>
-                  </a:extLst>
-                </a:hlinkClick>
+              <a:rPr lang="de-DE">
+                <a:hlinkClick r:id="rId3"/>
               </a:rPr>
               <a:t>st149685@stud.uni-stuttgart.de</a:t>
             </a:r>
             <a:br>
-              <a:rPr lang="de-DE" dirty="0"/>
+              <a:rPr lang="de-DE"/>
             </a:br>
             <a:r>
-              <a:rPr lang="de-DE" dirty="0">
-                <a:hlinkClick r:id="rId4">
-                  <a:extLst>
-                    <a:ext uri="{A12FA001-AC4F-418D-AE19-62706E023703}">
-                      <ahyp:hlinkClr xmlns:ahyp="http://schemas.microsoft.com/office/drawing/2018/hyperlinkcolor" val="tx"/>
-                    </a:ext>
-                  </a:extLst>
-                </a:hlinkClick>
+              <a:rPr lang="de-DE">
+                <a:hlinkClick r:id="rId4"/>
               </a:rPr>
               <a:t>st148230@stud.uni-stuttgart.de</a:t>
             </a:r>
-            <a:endParaRPr lang="de-DE" dirty="0"/>
-          </a:p>
-          <a:p>
-            <a:endParaRPr lang="de-DE" dirty="0"/>
-          </a:p>
-          <a:p>
-            <a:endParaRPr lang="de-DE" dirty="0"/>
+            <a:endParaRPr lang="de-DE"/>
+          </a:p>
+          <a:p>
+            <a:endParaRPr lang="de-DE"/>
+          </a:p>
+          <a:p>
+            <a:endParaRPr lang="de-DE"/>
           </a:p>
         </p:txBody>
       </p:sp>
@@ -19353,7 +19280,6 @@
               <a:rPr lang="de-DE"/>
               <a:t>University of Stuttgart</a:t>
             </a:r>
-            <a:endParaRPr lang="de-DE" dirty="0"/>
           </a:p>
         </p:txBody>
       </p:sp>
@@ -19568,7 +19494,7 @@
               <a:rPr lang="en-US"/>
               <a:t>Institute of Structural Mechanics and Dynamics in Aerospace Engineering (ISD)</a:t>
             </a:r>
-            <a:endParaRPr lang="de-DE" dirty="0"/>
+            <a:endParaRPr lang="de-DE"/>
           </a:p>
         </p:txBody>
       </p:sp>
@@ -19624,7 +19550,7 @@
           <a:lstStyle/>
           <a:p>
             <a:r>
-              <a:rPr lang="de-DE" dirty="0"/>
+              <a:rPr lang="de-DE"/>
               <a:t>Outline</a:t>
             </a:r>
           </a:p>
@@ -19651,7 +19577,7 @@
           <a:bodyPr/>
           <a:lstStyle/>
           <a:p>
-            <a:endParaRPr lang="de-DE" dirty="0"/>
+            <a:endParaRPr lang="de-DE"/>
           </a:p>
         </p:txBody>
       </p:sp>
@@ -19677,107 +19603,107 @@
           <a:lstStyle/>
           <a:p>
             <a:r>
-              <a:rPr lang="de-DE" dirty="0"/>
+              <a:rPr lang="de-DE"/>
               <a:t>Dataset</a:t>
             </a:r>
           </a:p>
           <a:p>
             <a:r>
-              <a:rPr lang="de-DE" dirty="0" err="1"/>
+              <a:rPr lang="de-DE" err="1"/>
               <a:t>Classical</a:t>
             </a:r>
             <a:r>
-              <a:rPr lang="de-DE" dirty="0"/>
+              <a:rPr lang="de-DE"/>
               <a:t> Neuronal Network</a:t>
             </a:r>
           </a:p>
           <a:p>
             <a:r>
-              <a:rPr lang="de-DE" dirty="0"/>
+              <a:rPr lang="de-DE"/>
               <a:t>Hybrid Quantum </a:t>
             </a:r>
             <a:r>
-              <a:rPr lang="de-DE" dirty="0" err="1"/>
+              <a:rPr lang="de-DE" err="1"/>
               <a:t>Machine</a:t>
             </a:r>
             <a:r>
-              <a:rPr lang="de-DE" dirty="0"/>
+              <a:rPr lang="de-DE"/>
               <a:t> Learning</a:t>
             </a:r>
           </a:p>
           <a:p>
             <a:pPr lvl="3"/>
             <a:r>
-              <a:rPr lang="de-DE" dirty="0"/>
+              <a:rPr lang="de-DE"/>
               <a:t>Basic </a:t>
             </a:r>
             <a:r>
-              <a:rPr lang="de-DE" dirty="0" err="1"/>
+              <a:rPr lang="de-DE" err="1"/>
               <a:t>Entangling</a:t>
             </a:r>
-            <a:endParaRPr lang="de-DE" dirty="0"/>
+            <a:endParaRPr lang="de-DE"/>
           </a:p>
           <a:p>
             <a:pPr lvl="3"/>
             <a:r>
-              <a:rPr lang="de-DE" dirty="0"/>
+              <a:rPr lang="de-DE"/>
               <a:t>Toffoli </a:t>
             </a:r>
             <a:r>
-              <a:rPr lang="de-DE" dirty="0" err="1"/>
+              <a:rPr lang="de-DE" err="1"/>
               <a:t>Entangling</a:t>
             </a:r>
-            <a:endParaRPr lang="de-DE" dirty="0"/>
+            <a:endParaRPr lang="de-DE"/>
           </a:p>
           <a:p>
             <a:pPr lvl="3"/>
             <a:r>
-              <a:rPr lang="de-DE" dirty="0"/>
+              <a:rPr lang="de-DE"/>
               <a:t>Strong </a:t>
             </a:r>
             <a:r>
-              <a:rPr lang="de-DE" dirty="0" err="1"/>
+              <a:rPr lang="de-DE" err="1"/>
               <a:t>Entangling</a:t>
             </a:r>
-            <a:endParaRPr lang="de-DE" dirty="0"/>
-          </a:p>
-          <a:p>
-            <a:r>
-              <a:rPr lang="de-DE" dirty="0"/>
+            <a:endParaRPr lang="de-DE"/>
+          </a:p>
+          <a:p>
+            <a:r>
+              <a:rPr lang="de-DE"/>
               <a:t>Quantum Autoencoder</a:t>
             </a:r>
           </a:p>
           <a:p>
             <a:pPr lvl="3"/>
             <a:r>
-              <a:rPr lang="de-DE" dirty="0"/>
+              <a:rPr lang="de-DE"/>
               <a:t>Simple Set-</a:t>
             </a:r>
             <a:r>
-              <a:rPr lang="de-DE" dirty="0" err="1"/>
+              <a:rPr lang="de-DE" err="1"/>
               <a:t>up</a:t>
             </a:r>
-            <a:endParaRPr lang="de-DE" dirty="0"/>
+            <a:endParaRPr lang="de-DE"/>
           </a:p>
           <a:p>
             <a:pPr lvl="3"/>
             <a:r>
-              <a:rPr lang="de-DE" dirty="0"/>
+              <a:rPr lang="de-DE"/>
               <a:t>Separate Training</a:t>
             </a:r>
           </a:p>
           <a:p>
             <a:r>
-              <a:rPr lang="de-DE" dirty="0"/>
+              <a:rPr lang="de-DE"/>
               <a:t>Encoder Test</a:t>
             </a:r>
           </a:p>
           <a:p>
             <a:r>
-              <a:rPr lang="de-DE" dirty="0" err="1"/>
+              <a:rPr lang="de-DE" err="1"/>
               <a:t>Conclusion</a:t>
             </a:r>
-            <a:endParaRPr lang="de-DE" dirty="0"/>
+            <a:endParaRPr lang="de-DE"/>
           </a:p>
         </p:txBody>
       </p:sp>
@@ -19806,7 +19732,7 @@
               <a:rPr lang="de-DE"/>
               <a:t>01/25/2022</a:t>
             </a:r>
-            <a:endParaRPr lang="en-US" dirty="0"/>
+            <a:endParaRPr lang="en-US"/>
           </a:p>
         </p:txBody>
       </p:sp>
@@ -19832,15 +19758,15 @@
           <a:lstStyle/>
           <a:p>
             <a:r>
-              <a:rPr lang="en-US" dirty="0"/>
+              <a:rPr lang="en-US"/>
               <a:t>Dilara </a:t>
             </a:r>
             <a:r>
-              <a:rPr lang="en-US" dirty="0" err="1"/>
+              <a:rPr lang="en-US" err="1"/>
               <a:t>Yildiz</a:t>
             </a:r>
             <a:r>
-              <a:rPr lang="en-US" dirty="0"/>
+              <a:rPr lang="en-US"/>
               <a:t>, Samuel Lehmköster</a:t>
             </a:r>
           </a:p>
@@ -19872,7 +19798,7 @@
               <a:pPr/>
               <a:t>2</a:t>
             </a:fld>
-            <a:endParaRPr lang="en-US" dirty="0"/>
+            <a:endParaRPr lang="en-US"/>
           </a:p>
         </p:txBody>
       </p:sp>
@@ -19880,6 +19806,441 @@
     <p:extLst>
       <p:ext uri="{BB962C8B-B14F-4D97-AF65-F5344CB8AC3E}">
         <p14:creationId xmlns:p14="http://schemas.microsoft.com/office/powerpoint/2010/main" val="1388141494"/>
+      </p:ext>
+    </p:extLst>
+  </p:cSld>
+  <p:clrMapOvr>
+    <a:masterClrMapping/>
+  </p:clrMapOvr>
+</p:sld>
+</file>
+
+<file path=ppt/slides/slide20.xml><?xml version="1.0" encoding="utf-8"?>
+<p:sld xmlns:a="http://schemas.openxmlformats.org/drawingml/2006/main" xmlns:r="http://schemas.openxmlformats.org/officeDocument/2006/relationships" xmlns:p="http://schemas.openxmlformats.org/presentationml/2006/main">
+  <p:cSld>
+    <p:spTree>
+      <p:nvGrpSpPr>
+        <p:cNvPr id="1" name=""/>
+        <p:cNvGrpSpPr/>
+        <p:nvPr/>
+      </p:nvGrpSpPr>
+      <p:grpSpPr>
+        <a:xfrm>
+          <a:off x="0" y="0"/>
+          <a:ext cx="0" cy="0"/>
+          <a:chOff x="0" y="0"/>
+          <a:chExt cx="0" cy="0"/>
+        </a:xfrm>
+      </p:grpSpPr>
+      <p:sp>
+        <p:nvSpPr>
+          <p:cNvPr id="7" name="Textplatzhalter 6">
+            <a:extLst>
+              <a:ext uri="{FF2B5EF4-FFF2-40B4-BE49-F238E27FC236}">
+                <a16:creationId xmlns:a16="http://schemas.microsoft.com/office/drawing/2014/main" id="{E8ABDB8C-8D92-48AF-BC9F-180B63275EAA}"/>
+              </a:ext>
+            </a:extLst>
+          </p:cNvPr>
+          <p:cNvSpPr>
+            <a:spLocks noGrp="1"/>
+          </p:cNvSpPr>
+          <p:nvPr>
+            <p:ph type="body" sz="quarter" idx="15"/>
+          </p:nvPr>
+        </p:nvSpPr>
+        <p:spPr/>
+        <p:txBody>
+          <a:bodyPr/>
+          <a:lstStyle/>
+          <a:p>
+            <a:r>
+              <a:rPr lang="de-DE"/>
+              <a:t>Dilara Yildiz &amp; Samuel Lehmköster</a:t>
+            </a:r>
+          </a:p>
+        </p:txBody>
+      </p:sp>
+      <p:sp>
+        <p:nvSpPr>
+          <p:cNvPr id="27" name="Textplatzhalter 26">
+            <a:extLst>
+              <a:ext uri="{FF2B5EF4-FFF2-40B4-BE49-F238E27FC236}">
+                <a16:creationId xmlns:a16="http://schemas.microsoft.com/office/drawing/2014/main" id="{2616FDAF-68EE-44D0-8491-AFCD8786CB5D}"/>
+              </a:ext>
+            </a:extLst>
+          </p:cNvPr>
+          <p:cNvSpPr>
+            <a:spLocks noGrp="1"/>
+          </p:cNvSpPr>
+          <p:nvPr>
+            <p:ph type="body" sz="quarter" idx="31"/>
+          </p:nvPr>
+        </p:nvSpPr>
+        <p:spPr>
+          <a:xfrm>
+            <a:off x="2174400" y="2571750"/>
+            <a:ext cx="542646" cy="216482"/>
+          </a:xfrm>
+        </p:spPr>
+        <p:txBody>
+          <a:bodyPr/>
+          <a:lstStyle/>
+          <a:p>
+            <a:r>
+              <a:rPr lang="de-DE" err="1"/>
+              <a:t>e-mail</a:t>
+            </a:r>
+            <a:endParaRPr lang="de-DE"/>
+          </a:p>
+        </p:txBody>
+      </p:sp>
+      <p:sp>
+        <p:nvSpPr>
+          <p:cNvPr id="12" name="Textplatzhalter 11">
+            <a:extLst>
+              <a:ext uri="{FF2B5EF4-FFF2-40B4-BE49-F238E27FC236}">
+                <a16:creationId xmlns:a16="http://schemas.microsoft.com/office/drawing/2014/main" id="{3959A150-FB5F-4C0E-AE25-AA6C02D05200}"/>
+              </a:ext>
+            </a:extLst>
+          </p:cNvPr>
+          <p:cNvSpPr>
+            <a:spLocks noGrp="1"/>
+          </p:cNvSpPr>
+          <p:nvPr>
+            <p:ph type="body" sz="quarter" idx="26"/>
+          </p:nvPr>
+        </p:nvSpPr>
+        <p:spPr/>
+        <p:txBody>
+          <a:bodyPr/>
+          <a:lstStyle/>
+          <a:p>
+            <a:r>
+              <a:rPr lang="de-DE">
+                <a:hlinkClick r:id="rId2"/>
+              </a:rPr>
+              <a:t>st149685@stud.uni-stuttgart.de</a:t>
+            </a:r>
+            <a:br>
+              <a:rPr lang="de-DE"/>
+            </a:br>
+            <a:r>
+              <a:rPr lang="de-DE">
+                <a:hlinkClick r:id="rId3"/>
+              </a:rPr>
+              <a:t>st148230@stud.uni-stuttgart.de</a:t>
+            </a:r>
+            <a:endParaRPr lang="de-DE"/>
+          </a:p>
+          <a:p>
+            <a:endParaRPr lang="de-DE"/>
+          </a:p>
+          <a:p>
+            <a:endParaRPr lang="de-DE"/>
+          </a:p>
+        </p:txBody>
+      </p:sp>
+      <p:sp>
+        <p:nvSpPr>
+          <p:cNvPr id="41" name="Textplatzhalter 40">
+            <a:extLst>
+              <a:ext uri="{FF2B5EF4-FFF2-40B4-BE49-F238E27FC236}">
+                <a16:creationId xmlns:a16="http://schemas.microsoft.com/office/drawing/2014/main" id="{708B3E26-9925-4BF9-8FE0-0F2A1984231A}"/>
+              </a:ext>
+            </a:extLst>
+          </p:cNvPr>
+          <p:cNvSpPr>
+            <a:spLocks noGrp="1"/>
+          </p:cNvSpPr>
+          <p:nvPr>
+            <p:ph type="body" sz="quarter" idx="34"/>
+          </p:nvPr>
+        </p:nvSpPr>
+        <p:spPr>
+          <a:xfrm>
+            <a:off x="2174400" y="3508234"/>
+            <a:ext cx="2500012" cy="218691"/>
+          </a:xfrm>
+        </p:spPr>
+        <p:txBody>
+          <a:bodyPr/>
+          <a:lstStyle/>
+          <a:p>
+            <a:r>
+              <a:rPr lang="de-DE"/>
+              <a:t>University </a:t>
+            </a:r>
+            <a:r>
+              <a:rPr lang="de-DE" err="1"/>
+              <a:t>of</a:t>
+            </a:r>
+            <a:r>
+              <a:rPr lang="de-DE"/>
+              <a:t> Stuttgart</a:t>
+            </a:r>
+          </a:p>
+        </p:txBody>
+      </p:sp>
+      <p:sp>
+        <p:nvSpPr>
+          <p:cNvPr id="11" name="Textplatzhalter 10">
+            <a:extLst>
+              <a:ext uri="{FF2B5EF4-FFF2-40B4-BE49-F238E27FC236}">
+                <a16:creationId xmlns:a16="http://schemas.microsoft.com/office/drawing/2014/main" id="{B5C55391-9AF5-4EEE-AB01-BBBA966833D7}"/>
+              </a:ext>
+            </a:extLst>
+          </p:cNvPr>
+          <p:cNvSpPr>
+            <a:spLocks noGrp="1"/>
+          </p:cNvSpPr>
+          <p:nvPr>
+            <p:ph type="body" sz="quarter" idx="25"/>
+          </p:nvPr>
+        </p:nvSpPr>
+        <p:spPr/>
+        <p:txBody>
+          <a:bodyPr/>
+          <a:lstStyle/>
+          <a:p>
+            <a:r>
+              <a:rPr lang="en-US"/>
+              <a:t>Institute of Structural Mechanics and Dynamics in Aerospace Engineering (ISD)</a:t>
+            </a:r>
+            <a:endParaRPr lang="de-DE"/>
+          </a:p>
+        </p:txBody>
+      </p:sp>
+      <p:pic>
+        <p:nvPicPr>
+          <p:cNvPr id="5" name="Bildplatzhalter 2">
+            <a:extLst>
+              <a:ext uri="{FF2B5EF4-FFF2-40B4-BE49-F238E27FC236}">
+                <a16:creationId xmlns:a16="http://schemas.microsoft.com/office/drawing/2014/main" id="{3D54C35D-48D5-ACF3-FB13-E71891451070}"/>
+              </a:ext>
+            </a:extLst>
+          </p:cNvPr>
+          <p:cNvPicPr>
+            <a:picLocks noGrp="1" noChangeAspect="1"/>
+          </p:cNvPicPr>
+          <p:nvPr>
+            <p:ph type="pic" sz="quarter" idx="14"/>
+          </p:nvPr>
+        </p:nvPicPr>
+        <p:blipFill rotWithShape="1">
+          <a:blip r:embed="rId4"/>
+          <a:srcRect l="52136" t="-1" r="339" b="-2864"/>
+          <a:stretch/>
+        </p:blipFill>
+        <p:spPr>
+          <a:xfrm>
+            <a:off x="411163" y="1911350"/>
+            <a:ext cx="1439862" cy="1439863"/>
+          </a:xfrm>
+        </p:spPr>
+      </p:pic>
+    </p:spTree>
+    <p:extLst>
+      <p:ext uri="{BB962C8B-B14F-4D97-AF65-F5344CB8AC3E}">
+        <p14:creationId xmlns:p14="http://schemas.microsoft.com/office/powerpoint/2010/main" val="2720823546"/>
+      </p:ext>
+    </p:extLst>
+  </p:cSld>
+  <p:clrMapOvr>
+    <a:masterClrMapping/>
+  </p:clrMapOvr>
+</p:sld>
+</file>
+
+<file path=ppt/slides/slide21.xml><?xml version="1.0" encoding="utf-8"?>
+<p:sld xmlns:a="http://schemas.openxmlformats.org/drawingml/2006/main" xmlns:r="http://schemas.openxmlformats.org/officeDocument/2006/relationships" xmlns:p="http://schemas.openxmlformats.org/presentationml/2006/main">
+  <p:cSld>
+    <p:spTree>
+      <p:nvGrpSpPr>
+        <p:cNvPr id="1" name=""/>
+        <p:cNvGrpSpPr/>
+        <p:nvPr/>
+      </p:nvGrpSpPr>
+      <p:grpSpPr>
+        <a:xfrm>
+          <a:off x="0" y="0"/>
+          <a:ext cx="0" cy="0"/>
+          <a:chOff x="0" y="0"/>
+          <a:chExt cx="0" cy="0"/>
+        </a:xfrm>
+      </p:grpSpPr>
+      <p:sp>
+        <p:nvSpPr>
+          <p:cNvPr id="2" name="Titel 1">
+            <a:extLst>
+              <a:ext uri="{FF2B5EF4-FFF2-40B4-BE49-F238E27FC236}">
+                <a16:creationId xmlns:a16="http://schemas.microsoft.com/office/drawing/2014/main" id="{CE42E09F-C575-6D16-8221-89C01ED4E01A}"/>
+              </a:ext>
+            </a:extLst>
+          </p:cNvPr>
+          <p:cNvSpPr>
+            <a:spLocks noGrp="1"/>
+          </p:cNvSpPr>
+          <p:nvPr>
+            <p:ph type="title"/>
+          </p:nvPr>
+        </p:nvSpPr>
+        <p:spPr/>
+        <p:txBody>
+          <a:bodyPr/>
+          <a:lstStyle/>
+          <a:p>
+            <a:r>
+              <a:rPr lang="en-SG"/>
+              <a:t>Feature Correlation</a:t>
+            </a:r>
+          </a:p>
+        </p:txBody>
+      </p:sp>
+      <p:sp>
+        <p:nvSpPr>
+          <p:cNvPr id="3" name="Textplatzhalter 2">
+            <a:extLst>
+              <a:ext uri="{FF2B5EF4-FFF2-40B4-BE49-F238E27FC236}">
+                <a16:creationId xmlns:a16="http://schemas.microsoft.com/office/drawing/2014/main" id="{2C5F8558-C842-FB59-8594-333C613E5046}"/>
+              </a:ext>
+            </a:extLst>
+          </p:cNvPr>
+          <p:cNvSpPr>
+            <a:spLocks noGrp="1"/>
+          </p:cNvSpPr>
+          <p:nvPr>
+            <p:ph type="body" sz="quarter" idx="13"/>
+          </p:nvPr>
+        </p:nvSpPr>
+        <p:spPr/>
+        <p:txBody>
+          <a:bodyPr/>
+          <a:lstStyle/>
+          <a:p>
+            <a:endParaRPr lang="en-SG"/>
+          </a:p>
+        </p:txBody>
+      </p:sp>
+      <p:pic>
+        <p:nvPicPr>
+          <p:cNvPr id="9" name="Inhaltsplatzhalter 8" descr="Ein Bild, das Diagramm enthält.&#10;&#10;Automatisch generierte Beschreibung">
+            <a:extLst>
+              <a:ext uri="{FF2B5EF4-FFF2-40B4-BE49-F238E27FC236}">
+                <a16:creationId xmlns:a16="http://schemas.microsoft.com/office/drawing/2014/main" id="{A320CEF9-334D-93DB-6620-332125F53F5E}"/>
+              </a:ext>
+            </a:extLst>
+          </p:cNvPr>
+          <p:cNvPicPr>
+            <a:picLocks noGrp="1" noChangeAspect="1"/>
+          </p:cNvPicPr>
+          <p:nvPr>
+            <p:ph idx="1"/>
+          </p:nvPr>
+        </p:nvPicPr>
+        <p:blipFill>
+          <a:blip r:embed="rId2"/>
+          <a:stretch>
+            <a:fillRect/>
+          </a:stretch>
+        </p:blipFill>
+        <p:spPr>
+          <a:xfrm>
+            <a:off x="2217174" y="946720"/>
+            <a:ext cx="4861602" cy="3798411"/>
+          </a:xfrm>
+        </p:spPr>
+      </p:pic>
+      <p:sp>
+        <p:nvSpPr>
+          <p:cNvPr id="5" name="Datumsplatzhalter 4">
+            <a:extLst>
+              <a:ext uri="{FF2B5EF4-FFF2-40B4-BE49-F238E27FC236}">
+                <a16:creationId xmlns:a16="http://schemas.microsoft.com/office/drawing/2014/main" id="{B25F7CE2-4709-D100-51E6-3F7A0AED6E4F}"/>
+              </a:ext>
+            </a:extLst>
+          </p:cNvPr>
+          <p:cNvSpPr>
+            <a:spLocks noGrp="1"/>
+          </p:cNvSpPr>
+          <p:nvPr>
+            <p:ph type="dt" sz="half" idx="14"/>
+          </p:nvPr>
+        </p:nvSpPr>
+        <p:spPr/>
+        <p:txBody>
+          <a:bodyPr/>
+          <a:lstStyle/>
+          <a:p>
+            <a:r>
+              <a:rPr lang="de-DE"/>
+              <a:t>01/25/2022</a:t>
+            </a:r>
+            <a:endParaRPr lang="en-US"/>
+          </a:p>
+        </p:txBody>
+      </p:sp>
+      <p:sp>
+        <p:nvSpPr>
+          <p:cNvPr id="6" name="Fußzeilenplatzhalter 5">
+            <a:extLst>
+              <a:ext uri="{FF2B5EF4-FFF2-40B4-BE49-F238E27FC236}">
+                <a16:creationId xmlns:a16="http://schemas.microsoft.com/office/drawing/2014/main" id="{B3A8D4E1-DCF9-1330-188E-644B24E3311B}"/>
+              </a:ext>
+            </a:extLst>
+          </p:cNvPr>
+          <p:cNvSpPr>
+            <a:spLocks noGrp="1"/>
+          </p:cNvSpPr>
+          <p:nvPr>
+            <p:ph type="ftr" sz="quarter" idx="15"/>
+          </p:nvPr>
+        </p:nvSpPr>
+        <p:spPr/>
+        <p:txBody>
+          <a:bodyPr/>
+          <a:lstStyle/>
+          <a:p>
+            <a:r>
+              <a:rPr lang="en-US"/>
+              <a:t>Name</a:t>
+            </a:r>
+          </a:p>
+        </p:txBody>
+      </p:sp>
+      <p:sp>
+        <p:nvSpPr>
+          <p:cNvPr id="7" name="Foliennummernplatzhalter 6">
+            <a:extLst>
+              <a:ext uri="{FF2B5EF4-FFF2-40B4-BE49-F238E27FC236}">
+                <a16:creationId xmlns:a16="http://schemas.microsoft.com/office/drawing/2014/main" id="{9F642B93-3210-6DC7-E835-A55D213498E8}"/>
+              </a:ext>
+            </a:extLst>
+          </p:cNvPr>
+          <p:cNvSpPr>
+            <a:spLocks noGrp="1"/>
+          </p:cNvSpPr>
+          <p:nvPr>
+            <p:ph type="sldNum" sz="quarter" idx="16"/>
+          </p:nvPr>
+        </p:nvSpPr>
+        <p:spPr/>
+        <p:txBody>
+          <a:bodyPr/>
+          <a:lstStyle/>
+          <a:p>
+            <a:fld id="{9E82CC3C-1DC0-4FDA-9590-6CC506AB67F8}" type="slidenum">
+              <a:rPr lang="en-US" smtClean="0"/>
+              <a:pPr/>
+              <a:t>21</a:t>
+            </a:fld>
+            <a:endParaRPr lang="en-US"/>
+          </a:p>
+        </p:txBody>
+      </p:sp>
+    </p:spTree>
+    <p:extLst>
+      <p:ext uri="{BB962C8B-B14F-4D97-AF65-F5344CB8AC3E}">
+        <p14:creationId xmlns:p14="http://schemas.microsoft.com/office/powerpoint/2010/main" val="126314878"/>
       </p:ext>
     </p:extLst>
   </p:cSld>
@@ -19928,25 +20289,25 @@
           <a:lstStyle/>
           <a:p>
             <a:r>
-              <a:rPr lang="de-DE" dirty="0" err="1"/>
+              <a:rPr lang="de-DE" err="1"/>
               <a:t>Classical</a:t>
             </a:r>
             <a:r>
-              <a:rPr lang="de-DE" dirty="0"/>
+              <a:rPr lang="de-DE"/>
               <a:t> </a:t>
             </a:r>
             <a:r>
-              <a:rPr lang="de-DE" dirty="0" err="1"/>
+              <a:rPr lang="de-DE" err="1"/>
               <a:t>Neural</a:t>
             </a:r>
             <a:r>
-              <a:rPr lang="de-DE" dirty="0"/>
+              <a:rPr lang="de-DE"/>
               <a:t> Network &amp; Dataset</a:t>
             </a:r>
             <a:br>
-              <a:rPr lang="de-DE" dirty="0"/>
+              <a:rPr lang="de-DE"/>
             </a:br>
-            <a:endParaRPr lang="de-DE" dirty="0"/>
+            <a:endParaRPr lang="de-DE"/>
           </a:p>
         </p:txBody>
       </p:sp>
@@ -19972,13 +20333,13 @@
           <a:lstStyle/>
           <a:p>
             <a:r>
-              <a:rPr lang="de-DE" dirty="0"/>
+              <a:rPr lang="de-DE"/>
               <a:t>Dataset</a:t>
             </a:r>
           </a:p>
           <a:p>
             <a:r>
-              <a:rPr lang="de-DE" dirty="0"/>
+              <a:rPr lang="de-DE"/>
               <a:t>	</a:t>
             </a:r>
           </a:p>
@@ -20009,7 +20370,7 @@
               <a:rPr lang="de-DE"/>
               <a:t>01/25/2022</a:t>
             </a:r>
-            <a:endParaRPr lang="en-US" dirty="0"/>
+            <a:endParaRPr lang="en-US"/>
           </a:p>
         </p:txBody>
       </p:sp>
@@ -20040,15 +20401,15 @@
           <a:lstStyle/>
           <a:p>
             <a:r>
-              <a:rPr lang="en-US" dirty="0"/>
+              <a:rPr lang="en-US"/>
               <a:t>Dilara </a:t>
             </a:r>
             <a:r>
-              <a:rPr lang="en-US" dirty="0" err="1"/>
+              <a:rPr lang="en-US" err="1"/>
               <a:t>Yildiz</a:t>
             </a:r>
             <a:r>
-              <a:rPr lang="en-US" dirty="0"/>
+              <a:rPr lang="en-US"/>
               <a:t>, Samuel Lehmköster</a:t>
             </a:r>
           </a:p>
@@ -20080,7 +20441,7 @@
               <a:pPr/>
               <a:t>3</a:t>
             </a:fld>
-            <a:endParaRPr lang="en-US" dirty="0"/>
+            <a:endParaRPr lang="en-US"/>
           </a:p>
         </p:txBody>
       </p:sp>
@@ -20220,10 +20581,10 @@
                     <a:lstStyle/>
                     <a:p>
                       <a:r>
-                        <a:rPr lang="en-US" dirty="0"/>
+                        <a:rPr lang="en-US"/>
                         <a:t>Frequency </a:t>
                       </a:r>
-                      <a:endParaRPr lang="en-SG" dirty="0"/>
+                      <a:endParaRPr lang="en-SG"/>
                     </a:p>
                   </a:txBody>
                   <a:tcPr>
@@ -20266,7 +20627,7 @@
                     <a:p>
                       <a:pPr marL="0" algn="r" defTabSz="685793" rtl="0" eaLnBrk="1" latinLnBrk="0" hangingPunct="1"/>
                       <a:r>
-                        <a:rPr lang="en-US" sz="1350" kern="1200" dirty="0">
+                        <a:rPr lang="en-US" sz="1350" kern="1200">
                           <a:solidFill>
                             <a:schemeClr val="tx1"/>
                           </a:solidFill>
@@ -20276,7 +20637,7 @@
                         </a:rPr>
                         <a:t>[Hz]</a:t>
                       </a:r>
-                      <a:endParaRPr lang="en-SG" sz="1350" kern="1200" dirty="0">
+                      <a:endParaRPr lang="en-SG" sz="1350" kern="1200">
                         <a:solidFill>
                           <a:schemeClr val="tx1"/>
                         </a:solidFill>
@@ -20333,10 +20694,10 @@
                     <a:lstStyle/>
                     <a:p>
                       <a:r>
-                        <a:rPr lang="en-US" dirty="0"/>
+                        <a:rPr lang="en-US"/>
                         <a:t>Angle of attack</a:t>
                       </a:r>
-                      <a:endParaRPr lang="en-SG" dirty="0"/>
+                      <a:endParaRPr lang="en-SG"/>
                     </a:p>
                   </a:txBody>
                   <a:tcPr>
@@ -20373,7 +20734,7 @@
                     <a:p>
                       <a:pPr marL="0" algn="r" defTabSz="685793" rtl="0" eaLnBrk="1" latinLnBrk="0" hangingPunct="1"/>
                       <a:r>
-                        <a:rPr lang="en-US" sz="1350" kern="1200" dirty="0">
+                        <a:rPr lang="en-US" sz="1350" kern="1200">
                           <a:solidFill>
                             <a:schemeClr val="tx1"/>
                           </a:solidFill>
@@ -20383,7 +20744,7 @@
                         </a:rPr>
                         <a:t>[°]</a:t>
                       </a:r>
-                      <a:endParaRPr lang="en-SG" sz="1350" kern="1200" dirty="0">
+                      <a:endParaRPr lang="en-SG" sz="1350" kern="1200">
                         <a:solidFill>
                           <a:schemeClr val="tx1"/>
                         </a:solidFill>
@@ -20434,10 +20795,10 @@
                     <a:lstStyle/>
                     <a:p>
                       <a:r>
-                        <a:rPr lang="en-US" dirty="0"/>
+                        <a:rPr lang="en-US"/>
                         <a:t>Chord length</a:t>
                       </a:r>
-                      <a:endParaRPr lang="en-SG" dirty="0"/>
+                      <a:endParaRPr lang="en-SG"/>
                     </a:p>
                   </a:txBody>
                   <a:tcPr>
@@ -20474,7 +20835,7 @@
                     <a:p>
                       <a:pPr marL="0" algn="r" defTabSz="685793" rtl="0" eaLnBrk="1" latinLnBrk="0" hangingPunct="1"/>
                       <a:r>
-                        <a:rPr lang="en-US" sz="1350" kern="1200" dirty="0">
+                        <a:rPr lang="en-US" sz="1350" kern="1200">
                           <a:solidFill>
                             <a:schemeClr val="tx1"/>
                           </a:solidFill>
@@ -20484,7 +20845,7 @@
                         </a:rPr>
                         <a:t>[m]</a:t>
                       </a:r>
-                      <a:endParaRPr lang="en-SG" sz="1350" kern="1200" dirty="0">
+                      <a:endParaRPr lang="en-SG" sz="1350" kern="1200">
                         <a:solidFill>
                           <a:schemeClr val="tx1"/>
                         </a:solidFill>
@@ -20535,10 +20896,10 @@
                     <a:lstStyle/>
                     <a:p>
                       <a:r>
-                        <a:rPr lang="en-US" dirty="0"/>
+                        <a:rPr lang="en-US"/>
                         <a:t>Free-stream velocity</a:t>
                       </a:r>
-                      <a:endParaRPr lang="en-SG" dirty="0"/>
+                      <a:endParaRPr lang="en-SG"/>
                     </a:p>
                   </a:txBody>
                   <a:tcPr>
@@ -20575,7 +20936,7 @@
                     <a:p>
                       <a:pPr marL="0" algn="r" defTabSz="685793" rtl="0" eaLnBrk="1" latinLnBrk="0" hangingPunct="1"/>
                       <a:r>
-                        <a:rPr lang="en-SG" sz="1350" kern="1200" dirty="0">
+                        <a:rPr lang="en-SG" sz="1350" kern="1200">
                           <a:solidFill>
                             <a:schemeClr val="tx1"/>
                           </a:solidFill>
@@ -20629,7 +20990,7 @@
                     <a:p>
                       <a:pPr marL="0" algn="l" defTabSz="685793" rtl="0" eaLnBrk="1" latinLnBrk="0" hangingPunct="1"/>
                       <a:r>
-                        <a:rPr lang="en-US" sz="1350" kern="1200" dirty="0">
+                        <a:rPr lang="en-US" sz="1350" kern="1200">
                           <a:solidFill>
                             <a:schemeClr val="tx1"/>
                           </a:solidFill>
@@ -20679,7 +21040,7 @@
                     <a:p>
                       <a:pPr marL="0" algn="r" defTabSz="685793" rtl="0" eaLnBrk="1" latinLnBrk="0" hangingPunct="1"/>
                       <a:r>
-                        <a:rPr lang="en-SG" sz="1350" kern="1200" dirty="0">
+                        <a:rPr lang="en-SG" sz="1350" kern="1200">
                           <a:solidFill>
                             <a:schemeClr val="tx1"/>
                           </a:solidFill>
@@ -20689,7 +21050,7 @@
                         </a:rPr>
                         <a:t>[m/s]</a:t>
                       </a:r>
-                      <a:endParaRPr lang="de-DE" sz="1350" kern="1200" dirty="0">
+                      <a:endParaRPr lang="de-DE" sz="1350" kern="1200">
                         <a:solidFill>
                           <a:schemeClr val="tx1"/>
                         </a:solidFill>
@@ -20761,7 +21122,7 @@
                         <a:defRPr/>
                       </a:pPr>
                       <a:r>
-                        <a:rPr lang="en-US" sz="1350" kern="1200" dirty="0">
+                        <a:rPr lang="en-US" sz="1350" kern="1200">
                           <a:solidFill>
                             <a:schemeClr val="tx1"/>
                           </a:solidFill>
@@ -20829,7 +21190,7 @@
                         <a:defRPr/>
                       </a:pPr>
                       <a:r>
-                        <a:rPr lang="en-SG" sz="1350" kern="1200" dirty="0">
+                        <a:rPr lang="en-SG" sz="1350" kern="1200">
                           <a:solidFill>
                             <a:schemeClr val="tx1"/>
                           </a:solidFill>
@@ -20937,17 +21298,17 @@
           <a:lstStyle/>
           <a:p>
             <a:r>
-              <a:rPr lang="de-DE" dirty="0" err="1"/>
+              <a:rPr lang="de-DE" err="1"/>
               <a:t>Classical</a:t>
             </a:r>
             <a:r>
-              <a:rPr lang="de-DE" dirty="0"/>
+              <a:rPr lang="de-DE"/>
               <a:t> Neuronal Network &amp; Dataset</a:t>
             </a:r>
             <a:br>
-              <a:rPr lang="de-DE" dirty="0"/>
+              <a:rPr lang="de-DE"/>
             </a:br>
-            <a:endParaRPr lang="de-DE" dirty="0"/>
+            <a:endParaRPr lang="de-DE"/>
           </a:p>
         </p:txBody>
       </p:sp>
@@ -20973,7 +21334,7 @@
           <a:lstStyle/>
           <a:p>
             <a:r>
-              <a:rPr lang="de-DE" dirty="0"/>
+              <a:rPr lang="de-DE"/>
               <a:t>Neuronal Network Architecture</a:t>
             </a:r>
           </a:p>
@@ -21008,7 +21369,7 @@
               <a:rPr lang="de-DE" dirty="0" err="1"/>
               <a:t>architecture</a:t>
             </a:r>
-            <a:endParaRPr lang="de-DE"/>
+            <a:endParaRPr lang="de-DE" dirty="0"/>
           </a:p>
         </p:txBody>
       </p:sp>
@@ -21037,7 +21398,7 @@
               <a:rPr lang="de-DE"/>
               <a:t>01/25/2022</a:t>
             </a:r>
-            <a:endParaRPr lang="en-US" dirty="0"/>
+            <a:endParaRPr lang="en-US"/>
           </a:p>
         </p:txBody>
       </p:sp>
@@ -21068,15 +21429,15 @@
           <a:lstStyle/>
           <a:p>
             <a:r>
-              <a:rPr lang="en-US" dirty="0"/>
+              <a:rPr lang="en-US"/>
               <a:t>Dilara </a:t>
             </a:r>
             <a:r>
-              <a:rPr lang="en-US" dirty="0" err="1"/>
+              <a:rPr lang="en-US" err="1"/>
               <a:t>Yildiz</a:t>
             </a:r>
             <a:r>
-              <a:rPr lang="en-US" dirty="0"/>
+              <a:rPr lang="en-US"/>
               <a:t>, Samuel Lehmköster</a:t>
             </a:r>
           </a:p>
@@ -21108,7 +21469,7 @@
               <a:pPr/>
               <a:t>4</a:t>
             </a:fld>
-            <a:endParaRPr lang="en-US" dirty="0"/>
+            <a:endParaRPr lang="en-US"/>
           </a:p>
         </p:txBody>
       </p:sp>
@@ -21200,15 +21561,15 @@
           <a:lstStyle/>
           <a:p>
             <a:r>
-              <a:rPr lang="de-DE" dirty="0"/>
+              <a:rPr lang="de-DE"/>
               <a:t>Hybrid Quantum </a:t>
             </a:r>
             <a:r>
-              <a:rPr lang="de-DE" dirty="0" err="1"/>
+              <a:rPr lang="de-DE" err="1"/>
               <a:t>Machine</a:t>
             </a:r>
             <a:r>
-              <a:rPr lang="de-DE" dirty="0"/>
+              <a:rPr lang="de-DE"/>
               <a:t> Learning</a:t>
             </a:r>
           </a:p>
@@ -21347,15 +21708,15 @@
           <a:lstStyle/>
           <a:p>
             <a:r>
-              <a:rPr lang="en-US" dirty="0"/>
+              <a:rPr lang="en-US"/>
               <a:t>Dilara </a:t>
             </a:r>
             <a:r>
-              <a:rPr lang="en-US" dirty="0" err="1"/>
+              <a:rPr lang="en-US" err="1"/>
               <a:t>Yildiz</a:t>
             </a:r>
             <a:r>
-              <a:rPr lang="en-US" dirty="0"/>
+              <a:rPr lang="en-US"/>
               <a:t>, Samuel Lehmköster</a:t>
             </a:r>
           </a:p>
@@ -21479,21 +21840,21 @@
           <a:lstStyle/>
           <a:p>
             <a:r>
-              <a:rPr lang="de-DE" dirty="0"/>
+              <a:rPr lang="de-DE"/>
               <a:t>Hybrid Quantum </a:t>
             </a:r>
             <a:r>
-              <a:rPr lang="de-DE" dirty="0" err="1"/>
+              <a:rPr lang="de-DE" err="1"/>
               <a:t>Machine</a:t>
             </a:r>
             <a:r>
-              <a:rPr lang="de-DE" dirty="0"/>
+              <a:rPr lang="de-DE"/>
               <a:t> Learning</a:t>
             </a:r>
             <a:br>
-              <a:rPr lang="de-DE" dirty="0"/>
+              <a:rPr lang="de-DE"/>
             </a:br>
-            <a:endParaRPr lang="de-DE" dirty="0"/>
+            <a:endParaRPr lang="de-DE"/>
           </a:p>
         </p:txBody>
       </p:sp>
@@ -21519,15 +21880,15 @@
           <a:lstStyle/>
           <a:p>
             <a:r>
-              <a:rPr lang="de-DE" dirty="0"/>
+              <a:rPr lang="de-DE"/>
               <a:t>Basic </a:t>
             </a:r>
             <a:r>
-              <a:rPr lang="de-DE" dirty="0" err="1"/>
+              <a:rPr lang="de-DE" err="1"/>
               <a:t>Entangling</a:t>
             </a:r>
             <a:r>
-              <a:rPr lang="de-DE" dirty="0"/>
+              <a:rPr lang="de-DE"/>
               <a:t> Layer</a:t>
             </a:r>
           </a:p>
@@ -21558,7 +21919,7 @@
               <a:rPr lang="de-DE"/>
               <a:t>01/25/2022</a:t>
             </a:r>
-            <a:endParaRPr lang="en-US" dirty="0"/>
+            <a:endParaRPr lang="en-US"/>
           </a:p>
         </p:txBody>
       </p:sp>
@@ -21589,15 +21950,15 @@
           <a:lstStyle/>
           <a:p>
             <a:r>
-              <a:rPr lang="en-US" dirty="0"/>
+              <a:rPr lang="en-US"/>
               <a:t>Dilara </a:t>
             </a:r>
             <a:r>
-              <a:rPr lang="en-US" dirty="0" err="1"/>
+              <a:rPr lang="en-US" err="1"/>
               <a:t>Yildiz</a:t>
             </a:r>
             <a:r>
-              <a:rPr lang="en-US" dirty="0"/>
+              <a:rPr lang="en-US"/>
               <a:t>, Samuel Lehmköster</a:t>
             </a:r>
           </a:p>
@@ -21629,7 +21990,7 @@
               <a:pPr/>
               <a:t>6</a:t>
             </a:fld>
-            <a:endParaRPr lang="en-US" dirty="0"/>
+            <a:endParaRPr lang="en-US"/>
           </a:p>
         </p:txBody>
       </p:sp>
@@ -21743,21 +22104,21 @@
           <a:lstStyle/>
           <a:p>
             <a:r>
-              <a:rPr lang="de-DE" dirty="0"/>
+              <a:rPr lang="de-DE"/>
               <a:t>Hybrid Quantum </a:t>
             </a:r>
             <a:r>
-              <a:rPr lang="de-DE" dirty="0" err="1"/>
+              <a:rPr lang="de-DE" err="1"/>
               <a:t>Machine</a:t>
             </a:r>
             <a:r>
-              <a:rPr lang="de-DE" dirty="0"/>
+              <a:rPr lang="de-DE"/>
               <a:t> Learning</a:t>
             </a:r>
             <a:br>
-              <a:rPr lang="de-DE" dirty="0"/>
+              <a:rPr lang="de-DE"/>
             </a:br>
-            <a:endParaRPr lang="de-DE" dirty="0"/>
+            <a:endParaRPr lang="de-DE"/>
           </a:p>
         </p:txBody>
       </p:sp>
@@ -21995,13 +22356,13 @@
   <p:clrMapOvr>
     <a:masterClrMapping/>
   </p:clrMapOvr>
-  <mc:AlternateContent xmlns:mc="http://schemas.openxmlformats.org/markup-compatibility/2006">
-    <mc:Choice xmlns:p159="http://schemas.microsoft.com/office/powerpoint/2015/09/main" Requires="p159">
+  <mc:AlternateContent xmlns:mc="http://schemas.openxmlformats.org/markup-compatibility/2006" xmlns:p159="http://schemas.microsoft.com/office/powerpoint/2015/09/main">
+    <mc:Choice Requires="p159">
       <p:transition xmlns:p14="http://schemas.microsoft.com/office/powerpoint/2010/main" spd="slow" p14:dur="2000">
         <p159:morph option="byObject"/>
       </p:transition>
     </mc:Choice>
-    <mc:Fallback>
+    <mc:Fallback xmlns="">
       <p:transition spd="slow">
         <p:fade/>
       </p:transition>
@@ -22079,24 +22440,20 @@
           <a:p>
             <a:r>
               <a:rPr lang="de-DE"/>
-              <a:t>Hybrid Quantum</a:t>
-            </a:r>
-            <a:r>
-              <a:rPr lang="de-DE" dirty="0"/>
-              <a:t> </a:t>
-            </a:r>
-            <a:r>
-              <a:rPr lang="de-DE" dirty="0" err="1"/>
+              <a:t>Hybrid Quantum </a:t>
+            </a:r>
+            <a:r>
+              <a:rPr lang="de-DE" err="1"/>
               <a:t>Machine</a:t>
             </a:r>
             <a:r>
-              <a:rPr lang="de-DE" dirty="0"/>
+              <a:rPr lang="de-DE"/>
               <a:t> Learning</a:t>
             </a:r>
             <a:br>
-              <a:rPr lang="de-DE" dirty="0"/>
+              <a:rPr lang="de-DE"/>
             </a:br>
-            <a:endParaRPr lang="de-DE" dirty="0"/>
+            <a:endParaRPr lang="de-DE"/>
           </a:p>
         </p:txBody>
       </p:sp>
@@ -22122,18 +22479,17 @@
           <a:lstStyle/>
           <a:p>
             <a:r>
-              <a:rPr lang="de-DE" dirty="0"/>
+              <a:rPr lang="de-DE"/>
               <a:t>Toffoli </a:t>
             </a:r>
             <a:r>
-              <a:rPr lang="de-DE" dirty="0" err="1"/>
+              <a:rPr lang="de-DE" err="1"/>
               <a:t>Entangling</a:t>
             </a:r>
             <a:r>
-              <a:rPr lang="de-DE" dirty="0"/>
+              <a:rPr lang="de-DE"/>
               <a:t> Layer</a:t>
             </a:r>
-            <a:endParaRPr lang="de-DE"/>
           </a:p>
         </p:txBody>
       </p:sp>
@@ -22162,7 +22518,7 @@
               <a:rPr lang="de-DE"/>
               <a:t>01/25/2022</a:t>
             </a:r>
-            <a:endParaRPr lang="en-US" dirty="0"/>
+            <a:endParaRPr lang="en-US"/>
           </a:p>
         </p:txBody>
       </p:sp>
@@ -22188,15 +22544,15 @@
           <a:lstStyle/>
           <a:p>
             <a:r>
-              <a:rPr lang="en-US" dirty="0"/>
+              <a:rPr lang="en-US"/>
               <a:t>Dilara </a:t>
             </a:r>
             <a:r>
-              <a:rPr lang="en-US" dirty="0" err="1"/>
+              <a:rPr lang="en-US" err="1"/>
               <a:t>Yildiz</a:t>
             </a:r>
             <a:r>
-              <a:rPr lang="en-US" dirty="0"/>
+              <a:rPr lang="en-US"/>
               <a:t>, Samuel Lehmköster</a:t>
             </a:r>
           </a:p>
@@ -22228,7 +22584,7 @@
               <a:pPr/>
               <a:t>8</a:t>
             </a:fld>
-            <a:endParaRPr lang="en-US" dirty="0"/>
+            <a:endParaRPr lang="en-US"/>
           </a:p>
         </p:txBody>
       </p:sp>
@@ -22342,21 +22698,21 @@
           <a:lstStyle/>
           <a:p>
             <a:r>
-              <a:rPr lang="de-DE" dirty="0"/>
+              <a:rPr lang="de-DE"/>
               <a:t>Hybrid Quantum </a:t>
             </a:r>
             <a:r>
-              <a:rPr lang="de-DE" dirty="0" err="1"/>
+              <a:rPr lang="de-DE" err="1"/>
               <a:t>Machine</a:t>
             </a:r>
             <a:r>
-              <a:rPr lang="de-DE" dirty="0"/>
+              <a:rPr lang="de-DE"/>
               <a:t> Learning</a:t>
             </a:r>
             <a:br>
-              <a:rPr lang="de-DE" dirty="0"/>
+              <a:rPr lang="de-DE"/>
             </a:br>
-            <a:endParaRPr lang="en-SG" dirty="0"/>
+            <a:endParaRPr lang="en-SG"/>
           </a:p>
         </p:txBody>
       </p:sp>
@@ -22382,7 +22738,7 @@
           <a:lstStyle/>
           <a:p>
             <a:r>
-              <a:rPr lang="en-SG" dirty="0"/>
+              <a:rPr lang="en-SG"/>
               <a:t>Strong Entangling Layer</a:t>
             </a:r>
           </a:p>
@@ -22413,7 +22769,7 @@
               <a:rPr lang="de-DE"/>
               <a:t>01/25/2022</a:t>
             </a:r>
-            <a:endParaRPr lang="en-US" dirty="0"/>
+            <a:endParaRPr lang="en-US"/>
           </a:p>
         </p:txBody>
       </p:sp>
@@ -22444,20 +22800,20 @@
           <a:lstStyle/>
           <a:p>
             <a:r>
-              <a:rPr lang="en-US" dirty="0"/>
+              <a:rPr lang="en-US"/>
               <a:t>Dilara </a:t>
             </a:r>
             <a:r>
-              <a:rPr lang="en-US" dirty="0" err="1"/>
+              <a:rPr lang="en-US" err="1"/>
               <a:t>Yildiz</a:t>
             </a:r>
             <a:r>
-              <a:rPr lang="en-US" dirty="0"/>
+              <a:rPr lang="en-US"/>
               <a:t>, Samuel Lehmköster</a:t>
             </a:r>
           </a:p>
           <a:p>
-            <a:endParaRPr lang="en-US" dirty="0"/>
+            <a:endParaRPr lang="en-US"/>
           </a:p>
         </p:txBody>
       </p:sp>
@@ -22487,7 +22843,7 @@
               <a:pPr/>
               <a:t>9</a:t>
             </a:fld>
-            <a:endParaRPr lang="en-US" dirty="0"/>
+            <a:endParaRPr lang="en-US"/>
           </a:p>
         </p:txBody>
       </p:sp>
